--- a/Integration of Cucumber with Selenium and TestNG.pptx
+++ b/Integration of Cucumber with Selenium and TestNG.pptx
@@ -5,35 +5,34 @@
     <p:sldMasterId id="2147483648" r:id="rId1"/>
   </p:sldMasterIdLst>
   <p:sldIdLst>
-    <p:sldId id="256" r:id="rId2"/>
-    <p:sldId id="257" r:id="rId3"/>
-    <p:sldId id="258" r:id="rId4"/>
-    <p:sldId id="259" r:id="rId5"/>
-    <p:sldId id="260" r:id="rId6"/>
-    <p:sldId id="261" r:id="rId7"/>
-    <p:sldId id="262" r:id="rId8"/>
-    <p:sldId id="263" r:id="rId9"/>
-    <p:sldId id="264" r:id="rId10"/>
-    <p:sldId id="265" r:id="rId11"/>
-    <p:sldId id="266" r:id="rId12"/>
-    <p:sldId id="267" r:id="rId13"/>
-    <p:sldId id="268" r:id="rId14"/>
-    <p:sldId id="269" r:id="rId15"/>
-    <p:sldId id="270" r:id="rId16"/>
-    <p:sldId id="271" r:id="rId17"/>
-    <p:sldId id="272" r:id="rId18"/>
-    <p:sldId id="273" r:id="rId19"/>
-    <p:sldId id="274" r:id="rId20"/>
-    <p:sldId id="275" r:id="rId21"/>
-    <p:sldId id="276" r:id="rId22"/>
-    <p:sldId id="277" r:id="rId23"/>
-    <p:sldId id="278" r:id="rId24"/>
-    <p:sldId id="279" r:id="rId25"/>
-    <p:sldId id="280" r:id="rId26"/>
-    <p:sldId id="281" r:id="rId27"/>
-    <p:sldId id="282" r:id="rId28"/>
-    <p:sldId id="283" r:id="rId29"/>
-    <p:sldId id="284" r:id="rId30"/>
+    <p:sldId id="257" r:id="rId2"/>
+    <p:sldId id="258" r:id="rId3"/>
+    <p:sldId id="259" r:id="rId4"/>
+    <p:sldId id="260" r:id="rId5"/>
+    <p:sldId id="261" r:id="rId6"/>
+    <p:sldId id="262" r:id="rId7"/>
+    <p:sldId id="263" r:id="rId8"/>
+    <p:sldId id="264" r:id="rId9"/>
+    <p:sldId id="265" r:id="rId10"/>
+    <p:sldId id="266" r:id="rId11"/>
+    <p:sldId id="267" r:id="rId12"/>
+    <p:sldId id="268" r:id="rId13"/>
+    <p:sldId id="269" r:id="rId14"/>
+    <p:sldId id="270" r:id="rId15"/>
+    <p:sldId id="271" r:id="rId16"/>
+    <p:sldId id="272" r:id="rId17"/>
+    <p:sldId id="273" r:id="rId18"/>
+    <p:sldId id="274" r:id="rId19"/>
+    <p:sldId id="275" r:id="rId20"/>
+    <p:sldId id="276" r:id="rId21"/>
+    <p:sldId id="277" r:id="rId22"/>
+    <p:sldId id="278" r:id="rId23"/>
+    <p:sldId id="279" r:id="rId24"/>
+    <p:sldId id="280" r:id="rId25"/>
+    <p:sldId id="281" r:id="rId26"/>
+    <p:sldId id="282" r:id="rId27"/>
+    <p:sldId id="283" r:id="rId28"/>
+    <p:sldId id="284" r:id="rId29"/>
   </p:sldIdLst>
   <p:sldSz cx="12192000" cy="6858000"/>
   <p:notesSz cx="6858000" cy="9144000"/>
@@ -132,6 +131,11 @@
       </a:defRPr>
     </a:lvl9pPr>
   </p:defaultTextStyle>
+  <p:extLst>
+    <p:ext uri="{EFAFB233-063F-42B5-8137-9DF3F51BA10A}">
+      <p15:sldGuideLst xmlns:p15="http://schemas.microsoft.com/office/powerpoint/2012/main"/>
+    </p:ext>
+  </p:extLst>
 </p:presentation>
 </file>
 
@@ -266,7 +270,7 @@
           <a:p>
             <a:fld id="{4DEFA661-F764-48F6-AF0C-ACDD7601BA25}" type="datetimeFigureOut">
               <a:rPr lang="en-IN" smtClean="0"/>
-              <a:t>17-07-2023</a:t>
+              <a:t>20-07-2023</a:t>
             </a:fld>
             <a:endParaRPr lang="en-IN"/>
           </a:p>
@@ -436,7 +440,7 @@
           <a:p>
             <a:fld id="{4DEFA661-F764-48F6-AF0C-ACDD7601BA25}" type="datetimeFigureOut">
               <a:rPr lang="en-IN" smtClean="0"/>
-              <a:t>17-07-2023</a:t>
+              <a:t>20-07-2023</a:t>
             </a:fld>
             <a:endParaRPr lang="en-IN"/>
           </a:p>
@@ -616,7 +620,7 @@
           <a:p>
             <a:fld id="{4DEFA661-F764-48F6-AF0C-ACDD7601BA25}" type="datetimeFigureOut">
               <a:rPr lang="en-IN" smtClean="0"/>
-              <a:t>17-07-2023</a:t>
+              <a:t>20-07-2023</a:t>
             </a:fld>
             <a:endParaRPr lang="en-IN"/>
           </a:p>
@@ -786,7 +790,7 @@
           <a:p>
             <a:fld id="{4DEFA661-F764-48F6-AF0C-ACDD7601BA25}" type="datetimeFigureOut">
               <a:rPr lang="en-IN" smtClean="0"/>
-              <a:t>17-07-2023</a:t>
+              <a:t>20-07-2023</a:t>
             </a:fld>
             <a:endParaRPr lang="en-IN"/>
           </a:p>
@@ -1032,7 +1036,7 @@
           <a:p>
             <a:fld id="{4DEFA661-F764-48F6-AF0C-ACDD7601BA25}" type="datetimeFigureOut">
               <a:rPr lang="en-IN" smtClean="0"/>
-              <a:t>17-07-2023</a:t>
+              <a:t>20-07-2023</a:t>
             </a:fld>
             <a:endParaRPr lang="en-IN"/>
           </a:p>
@@ -1264,7 +1268,7 @@
           <a:p>
             <a:fld id="{4DEFA661-F764-48F6-AF0C-ACDD7601BA25}" type="datetimeFigureOut">
               <a:rPr lang="en-IN" smtClean="0"/>
-              <a:t>17-07-2023</a:t>
+              <a:t>20-07-2023</a:t>
             </a:fld>
             <a:endParaRPr lang="en-IN"/>
           </a:p>
@@ -1631,7 +1635,7 @@
           <a:p>
             <a:fld id="{4DEFA661-F764-48F6-AF0C-ACDD7601BA25}" type="datetimeFigureOut">
               <a:rPr lang="en-IN" smtClean="0"/>
-              <a:t>17-07-2023</a:t>
+              <a:t>20-07-2023</a:t>
             </a:fld>
             <a:endParaRPr lang="en-IN"/>
           </a:p>
@@ -1749,7 +1753,7 @@
           <a:p>
             <a:fld id="{4DEFA661-F764-48F6-AF0C-ACDD7601BA25}" type="datetimeFigureOut">
               <a:rPr lang="en-IN" smtClean="0"/>
-              <a:t>17-07-2023</a:t>
+              <a:t>20-07-2023</a:t>
             </a:fld>
             <a:endParaRPr lang="en-IN"/>
           </a:p>
@@ -1844,7 +1848,7 @@
           <a:p>
             <a:fld id="{4DEFA661-F764-48F6-AF0C-ACDD7601BA25}" type="datetimeFigureOut">
               <a:rPr lang="en-IN" smtClean="0"/>
-              <a:t>17-07-2023</a:t>
+              <a:t>20-07-2023</a:t>
             </a:fld>
             <a:endParaRPr lang="en-IN"/>
           </a:p>
@@ -2121,7 +2125,7 @@
           <a:p>
             <a:fld id="{4DEFA661-F764-48F6-AF0C-ACDD7601BA25}" type="datetimeFigureOut">
               <a:rPr lang="en-IN" smtClean="0"/>
-              <a:t>17-07-2023</a:t>
+              <a:t>20-07-2023</a:t>
             </a:fld>
             <a:endParaRPr lang="en-IN"/>
           </a:p>
@@ -2374,7 +2378,7 @@
           <a:p>
             <a:fld id="{4DEFA661-F764-48F6-AF0C-ACDD7601BA25}" type="datetimeFigureOut">
               <a:rPr lang="en-IN" smtClean="0"/>
-              <a:t>17-07-2023</a:t>
+              <a:t>20-07-2023</a:t>
             </a:fld>
             <a:endParaRPr lang="en-IN"/>
           </a:p>
@@ -2587,7 +2591,7 @@
           <a:p>
             <a:fld id="{4DEFA661-F764-48F6-AF0C-ACDD7601BA25}" type="datetimeFigureOut">
               <a:rPr lang="en-IN" smtClean="0"/>
-              <a:t>17-07-2023</a:t>
+              <a:t>20-07-2023</a:t>
             </a:fld>
             <a:endParaRPr lang="en-IN"/>
           </a:p>
@@ -2994,46 +2998,225 @@
       </p:grpSpPr>
       <p:sp>
         <p:nvSpPr>
-          <p:cNvPr id="2" name="Title 1"/>
-          <p:cNvSpPr>
-            <a:spLocks noGrp="1"/>
-          </p:cNvSpPr>
-          <p:nvPr>
-            <p:ph type="ctrTitle"/>
-          </p:nvPr>
-        </p:nvSpPr>
-        <p:spPr/>
-        <p:txBody>
-          <a:bodyPr/>
-          <a:lstStyle/>
-          <a:p>
+          <p:cNvPr id="2" name="Rectangle 1"/>
+          <p:cNvSpPr/>
+          <p:nvPr/>
+        </p:nvSpPr>
+        <p:spPr>
+          <a:xfrm>
+            <a:off x="2536829" y="526534"/>
+            <a:ext cx="5822941" cy="369332"/>
+          </a:xfrm>
+          <a:prstGeom prst="rect">
+            <a:avLst/>
+          </a:prstGeom>
+        </p:spPr>
+        <p:txBody>
+          <a:bodyPr wrap="none">
+            <a:spAutoFit/>
+          </a:bodyPr>
+          <a:lstStyle/>
+          <a:p>
+            <a:pPr fontAlgn="base"/>
+            <a:r>
+              <a:rPr lang="en-GB" b="1" i="0" dirty="0" smtClean="0">
+                <a:solidFill>
+                  <a:srgbClr val="424242"/>
+                </a:solidFill>
+                <a:effectLst/>
+                <a:latin typeface="Montserrat"/>
+              </a:rPr>
+              <a:t>Integration of Cucumber with Selenium and TestNG</a:t>
+            </a:r>
+            <a:endParaRPr lang="en-GB" b="1" i="0" dirty="0">
+              <a:solidFill>
+                <a:srgbClr val="424242"/>
+              </a:solidFill>
+              <a:effectLst/>
+              <a:latin typeface="Montserrat"/>
+            </a:endParaRPr>
+          </a:p>
+        </p:txBody>
+      </p:sp>
+      <p:sp>
+        <p:nvSpPr>
+          <p:cNvPr id="3" name="Rectangle 2"/>
+          <p:cNvSpPr/>
+          <p:nvPr/>
+        </p:nvSpPr>
+        <p:spPr>
+          <a:xfrm>
+            <a:off x="381000" y="1256437"/>
+            <a:ext cx="11811000" cy="923330"/>
+          </a:xfrm>
+          <a:prstGeom prst="rect">
+            <a:avLst/>
+          </a:prstGeom>
+        </p:spPr>
+        <p:txBody>
+          <a:bodyPr wrap="square">
+            <a:spAutoFit/>
+          </a:bodyPr>
+          <a:lstStyle/>
+          <a:p>
+            <a:r>
+              <a:rPr lang="en-GB" b="0" i="0" smtClean="0">
+                <a:solidFill>
+                  <a:srgbClr val="000000"/>
+                </a:solidFill>
+                <a:effectLst/>
+                <a:latin typeface="Open Sans"/>
+              </a:rPr>
+              <a:t>Cucumber is a BDD Tool, and Selenium WebDriver is used for the automation of web applications. </a:t>
+            </a:r>
+            <a:r>
+              <a:rPr lang="en-GB" b="0" i="0" dirty="0" smtClean="0">
+                <a:solidFill>
+                  <a:srgbClr val="000000"/>
+                </a:solidFill>
+                <a:effectLst/>
+                <a:latin typeface="Open Sans"/>
+              </a:rPr>
+              <a:t>Imagine we need to build a test framework that can be used by businesses to understand the test scenarios and as well can test the web application. This can be achieved by integrating Cucumber with Selenium</a:t>
+            </a:r>
             <a:endParaRPr lang="en-IN"/>
           </a:p>
         </p:txBody>
       </p:sp>
       <p:sp>
         <p:nvSpPr>
-          <p:cNvPr id="3" name="Subtitle 2"/>
-          <p:cNvSpPr>
-            <a:spLocks noGrp="1"/>
-          </p:cNvSpPr>
-          <p:nvPr>
-            <p:ph type="subTitle" idx="1"/>
-          </p:nvPr>
-        </p:nvSpPr>
-        <p:spPr/>
-        <p:txBody>
-          <a:bodyPr/>
-          <a:lstStyle/>
-          <a:p>
-            <a:endParaRPr lang="en-IN"/>
+          <p:cNvPr id="5" name="Rectangle 4"/>
+          <p:cNvSpPr/>
+          <p:nvPr/>
+        </p:nvSpPr>
+        <p:spPr>
+          <a:xfrm>
+            <a:off x="381000" y="2540338"/>
+            <a:ext cx="6096000" cy="2585323"/>
+          </a:xfrm>
+          <a:prstGeom prst="rect">
+            <a:avLst/>
+          </a:prstGeom>
+        </p:spPr>
+        <p:txBody>
+          <a:bodyPr>
+            <a:spAutoFit/>
+          </a:bodyPr>
+          <a:lstStyle/>
+          <a:p>
+            <a:pPr fontAlgn="base"/>
+            <a:r>
+              <a:rPr lang="en-IN" b="1" i="1" dirty="0" smtClean="0">
+                <a:solidFill>
+                  <a:srgbClr val="6E340D"/>
+                </a:solidFill>
+                <a:effectLst/>
+                <a:latin typeface="inherit"/>
+              </a:rPr>
+              <a:t>This framework consists of:-</a:t>
+            </a:r>
+            <a:endParaRPr lang="en-IN" b="1" i="0" dirty="0" smtClean="0">
+              <a:solidFill>
+                <a:srgbClr val="6E340D"/>
+              </a:solidFill>
+              <a:effectLst/>
+              <a:latin typeface="Montserrat"/>
+            </a:endParaRPr>
+          </a:p>
+          <a:p>
+            <a:pPr fontAlgn="base">
+              <a:buFont typeface="+mj-lt"/>
+              <a:buAutoNum type="arabicPeriod"/>
+            </a:pPr>
+            <a:r>
+              <a:rPr lang="en-IN" b="0" i="0" dirty="0" smtClean="0">
+                <a:effectLst/>
+                <a:latin typeface="inherit"/>
+              </a:rPr>
+              <a:t>Cucumber Java- 7.6.0</a:t>
+            </a:r>
+          </a:p>
+          <a:p>
+            <a:pPr fontAlgn="base">
+              <a:buFont typeface="+mj-lt"/>
+              <a:buAutoNum type="arabicPeriod"/>
+            </a:pPr>
+            <a:r>
+              <a:rPr lang="en-IN" b="0" i="0" dirty="0" smtClean="0">
+                <a:effectLst/>
+                <a:latin typeface="inherit"/>
+              </a:rPr>
+              <a:t>Cucumber TestNG – 7.6.0</a:t>
+            </a:r>
+          </a:p>
+          <a:p>
+            <a:pPr fontAlgn="base">
+              <a:buFont typeface="+mj-lt"/>
+              <a:buAutoNum type="arabicPeriod"/>
+            </a:pPr>
+            <a:r>
+              <a:rPr lang="en-IN" b="0" i="0" dirty="0" smtClean="0">
+                <a:effectLst/>
+                <a:latin typeface="inherit"/>
+              </a:rPr>
+              <a:t>Java 11</a:t>
+            </a:r>
+          </a:p>
+          <a:p>
+            <a:pPr fontAlgn="base">
+              <a:buFont typeface="+mj-lt"/>
+              <a:buAutoNum type="arabicPeriod"/>
+            </a:pPr>
+            <a:r>
+              <a:rPr lang="en-IN" b="0" i="0" dirty="0" smtClean="0">
+                <a:effectLst/>
+                <a:latin typeface="inherit"/>
+              </a:rPr>
+              <a:t>TestNG – 7.4.0</a:t>
+            </a:r>
+          </a:p>
+          <a:p>
+            <a:pPr fontAlgn="base">
+              <a:buFont typeface="+mj-lt"/>
+              <a:buAutoNum type="arabicPeriod"/>
+            </a:pPr>
+            <a:r>
+              <a:rPr lang="en-IN" b="0" i="0" dirty="0" smtClean="0">
+                <a:effectLst/>
+                <a:latin typeface="inherit"/>
+              </a:rPr>
+              <a:t>Maven – 3.8.6</a:t>
+            </a:r>
+          </a:p>
+          <a:p>
+            <a:pPr fontAlgn="base">
+              <a:buFont typeface="+mj-lt"/>
+              <a:buAutoNum type="arabicPeriod"/>
+            </a:pPr>
+            <a:r>
+              <a:rPr lang="en-IN" b="0" i="0" dirty="0" smtClean="0">
+                <a:effectLst/>
+                <a:latin typeface="inherit"/>
+              </a:rPr>
+              <a:t>Selenium – 4.3.0</a:t>
+            </a:r>
+          </a:p>
+          <a:p>
+            <a:r>
+              <a:rPr lang="en-IN" dirty="0" smtClean="0"/>
+              <a:t/>
+            </a:r>
+            <a:br>
+              <a:rPr lang="en-IN" dirty="0" smtClean="0"/>
+            </a:br>
+            <a:endParaRPr lang="en-IN" dirty="0"/>
           </a:p>
         </p:txBody>
       </p:sp>
     </p:spTree>
     <p:extLst>
       <p:ext uri="{BB962C8B-B14F-4D97-AF65-F5344CB8AC3E}">
-        <p14:creationId xmlns:p14="http://schemas.microsoft.com/office/powerpoint/2010/main" val="383930338"/>
+        <p14:creationId xmlns:p14="http://schemas.microsoft.com/office/powerpoint/2010/main" val="2985840600"/>
       </p:ext>
     </p:extLst>
   </p:cSld>
@@ -3044,77 +3227,6 @@
 </file>
 
 <file path=ppt/slides/slide10.xml><?xml version="1.0" encoding="utf-8"?>
-<p:sld xmlns:a="http://schemas.openxmlformats.org/drawingml/2006/main" xmlns:r="http://schemas.openxmlformats.org/officeDocument/2006/relationships" xmlns:p="http://schemas.openxmlformats.org/presentationml/2006/main">
-  <p:cSld>
-    <p:spTree>
-      <p:nvGrpSpPr>
-        <p:cNvPr id="1" name=""/>
-        <p:cNvGrpSpPr/>
-        <p:nvPr/>
-      </p:nvGrpSpPr>
-      <p:grpSpPr>
-        <a:xfrm>
-          <a:off x="0" y="0"/>
-          <a:ext cx="0" cy="0"/>
-          <a:chOff x="0" y="0"/>
-          <a:chExt cx="0" cy="0"/>
-        </a:xfrm>
-      </p:grpSpPr>
-      <p:pic>
-        <p:nvPicPr>
-          <p:cNvPr id="10242" name="Picture 2" descr="https://qaautomationexpert.files.wordpress.com/2022/06/image-39.png?w=871"/>
-          <p:cNvPicPr>
-            <a:picLocks noChangeAspect="1" noChangeArrowheads="1"/>
-          </p:cNvPicPr>
-          <p:nvPr/>
-        </p:nvPicPr>
-        <p:blipFill>
-          <a:blip r:embed="rId2">
-            <a:extLst>
-              <a:ext uri="{28A0092B-C50C-407E-A947-70E740481C1C}">
-                <a14:useLocalDpi xmlns:a14="http://schemas.microsoft.com/office/drawing/2010/main" val="0"/>
-              </a:ext>
-            </a:extLst>
-          </a:blip>
-          <a:srcRect/>
-          <a:stretch>
-            <a:fillRect/>
-          </a:stretch>
-        </p:blipFill>
-        <p:spPr bwMode="auto">
-          <a:xfrm>
-            <a:off x="142875" y="139699"/>
-            <a:ext cx="8296275" cy="4368801"/>
-          </a:xfrm>
-          <a:prstGeom prst="rect">
-            <a:avLst/>
-          </a:prstGeom>
-          <a:noFill/>
-          <a:extLst>
-            <a:ext uri="{909E8E84-426E-40DD-AFC4-6F175D3DCCD1}">
-              <a14:hiddenFill xmlns:a14="http://schemas.microsoft.com/office/drawing/2010/main">
-                <a:solidFill>
-                  <a:srgbClr val="FFFFFF"/>
-                </a:solidFill>
-              </a14:hiddenFill>
-            </a:ext>
-          </a:extLst>
-        </p:spPr>
-      </p:pic>
-    </p:spTree>
-    <p:extLst>
-      <p:ext uri="{BB962C8B-B14F-4D97-AF65-F5344CB8AC3E}">
-        <p14:creationId xmlns:p14="http://schemas.microsoft.com/office/powerpoint/2010/main" val="2614760386"/>
-      </p:ext>
-    </p:extLst>
-  </p:cSld>
-  <p:clrMapOvr>
-    <a:masterClrMapping/>
-  </p:clrMapOvr>
-</p:sld>
-</file>
-
-<file path=ppt/slides/slide11.xml><?xml version="1.0" encoding="utf-8"?>
 <p:sld xmlns:a="http://schemas.openxmlformats.org/drawingml/2006/main" xmlns:r="http://schemas.openxmlformats.org/officeDocument/2006/relationships" xmlns:p="http://schemas.openxmlformats.org/presentationml/2006/main">
   <p:cSld>
     <p:spTree>
@@ -3248,6 +3360,203 @@
 </p:sld>
 </file>
 
+<file path=ppt/slides/slide11.xml><?xml version="1.0" encoding="utf-8"?>
+<p:sld xmlns:a="http://schemas.openxmlformats.org/drawingml/2006/main" xmlns:r="http://schemas.openxmlformats.org/officeDocument/2006/relationships" xmlns:p="http://schemas.openxmlformats.org/presentationml/2006/main">
+  <p:cSld>
+    <p:spTree>
+      <p:nvGrpSpPr>
+        <p:cNvPr id="1" name=""/>
+        <p:cNvGrpSpPr/>
+        <p:nvPr/>
+      </p:nvGrpSpPr>
+      <p:grpSpPr>
+        <a:xfrm>
+          <a:off x="0" y="0"/>
+          <a:ext cx="0" cy="0"/>
+          <a:chOff x="0" y="0"/>
+          <a:chExt cx="0" cy="0"/>
+        </a:xfrm>
+      </p:grpSpPr>
+      <p:sp>
+        <p:nvSpPr>
+          <p:cNvPr id="2" name="AutoShape 2" descr="https://qaautomationexpert.files.wordpress.com/2022/06/image-41.png?w=871"/>
+          <p:cNvSpPr>
+            <a:spLocks noChangeAspect="1" noChangeArrowheads="1"/>
+          </p:cNvSpPr>
+          <p:nvPr/>
+        </p:nvSpPr>
+        <p:spPr bwMode="auto">
+          <a:xfrm>
+            <a:off x="1920875" y="1125537"/>
+            <a:ext cx="304800" cy="304801"/>
+          </a:xfrm>
+          <a:prstGeom prst="rect">
+            <a:avLst/>
+          </a:prstGeom>
+          <a:noFill/>
+          <a:extLst>
+            <a:ext uri="{909E8E84-426E-40DD-AFC4-6F175D3DCCD1}">
+              <a14:hiddenFill xmlns:a14="http://schemas.microsoft.com/office/drawing/2010/main">
+                <a:solidFill>
+                  <a:srgbClr val="FFFFFF"/>
+                </a:solidFill>
+              </a14:hiddenFill>
+            </a:ext>
+          </a:extLst>
+        </p:spPr>
+        <p:txBody>
+          <a:bodyPr vert="horz" wrap="square" lIns="91440" tIns="45720" rIns="91440" bIns="45720" numCol="1" anchor="t" anchorCtr="0" compatLnSpc="1">
+            <a:prstTxWarp prst="textNoShape">
+              <a:avLst/>
+            </a:prstTxWarp>
+          </a:bodyPr>
+          <a:lstStyle/>
+          <a:p>
+            <a:endParaRPr lang="en-IN"/>
+          </a:p>
+        </p:txBody>
+      </p:sp>
+      <p:sp>
+        <p:nvSpPr>
+          <p:cNvPr id="3" name="AutoShape 4" descr="https://qaautomationexpert.files.wordpress.com/2022/06/image-41.png?w=871"/>
+          <p:cNvSpPr>
+            <a:spLocks noChangeAspect="1" noChangeArrowheads="1"/>
+          </p:cNvSpPr>
+          <p:nvPr/>
+        </p:nvSpPr>
+        <p:spPr bwMode="auto">
+          <a:xfrm>
+            <a:off x="2073275" y="3475037"/>
+            <a:ext cx="4899025" cy="304801"/>
+          </a:xfrm>
+          <a:prstGeom prst="rect">
+            <a:avLst/>
+          </a:prstGeom>
+          <a:noFill/>
+          <a:extLst>
+            <a:ext uri="{909E8E84-426E-40DD-AFC4-6F175D3DCCD1}">
+              <a14:hiddenFill xmlns:a14="http://schemas.microsoft.com/office/drawing/2010/main">
+                <a:solidFill>
+                  <a:srgbClr val="FFFFFF"/>
+                </a:solidFill>
+              </a14:hiddenFill>
+            </a:ext>
+          </a:extLst>
+        </p:spPr>
+        <p:txBody>
+          <a:bodyPr vert="horz" wrap="square" lIns="91440" tIns="45720" rIns="91440" bIns="45720" numCol="1" anchor="t" anchorCtr="0" compatLnSpc="1">
+            <a:prstTxWarp prst="textNoShape">
+              <a:avLst/>
+            </a:prstTxWarp>
+          </a:bodyPr>
+          <a:lstStyle/>
+          <a:p>
+            <a:endParaRPr lang="en-IN"/>
+          </a:p>
+        </p:txBody>
+      </p:sp>
+      <p:pic>
+        <p:nvPicPr>
+          <p:cNvPr id="6" name="Picture 5"/>
+          <p:cNvPicPr>
+            <a:picLocks noChangeAspect="1"/>
+          </p:cNvPicPr>
+          <p:nvPr/>
+        </p:nvPicPr>
+        <p:blipFill>
+          <a:blip r:embed="rId2"/>
+          <a:stretch>
+            <a:fillRect/>
+          </a:stretch>
+        </p:blipFill>
+        <p:spPr>
+          <a:xfrm>
+            <a:off x="336550" y="400050"/>
+            <a:ext cx="6743700" cy="5448300"/>
+          </a:xfrm>
+          <a:prstGeom prst="rect">
+            <a:avLst/>
+          </a:prstGeom>
+        </p:spPr>
+      </p:pic>
+      <p:sp>
+        <p:nvSpPr>
+          <p:cNvPr id="7" name="Rectangle 6"/>
+          <p:cNvSpPr/>
+          <p:nvPr/>
+        </p:nvSpPr>
+        <p:spPr>
+          <a:xfrm>
+            <a:off x="127000" y="5991006"/>
+            <a:ext cx="10845800" cy="369332"/>
+          </a:xfrm>
+          <a:prstGeom prst="rect">
+            <a:avLst/>
+          </a:prstGeom>
+        </p:spPr>
+        <p:txBody>
+          <a:bodyPr wrap="square">
+            <a:spAutoFit/>
+          </a:bodyPr>
+          <a:lstStyle/>
+          <a:p>
+            <a:r>
+              <a:rPr lang="en-GB" b="1" i="1" smtClean="0">
+                <a:solidFill>
+                  <a:srgbClr val="000000"/>
+                </a:solidFill>
+                <a:effectLst/>
+                <a:latin typeface="inherit"/>
+              </a:rPr>
+              <a:t>Step 6 </a:t>
+            </a:r>
+            <a:r>
+              <a:rPr lang="en-GB" b="0" i="0" smtClean="0">
+                <a:solidFill>
+                  <a:srgbClr val="000000"/>
+                </a:solidFill>
+                <a:effectLst/>
+                <a:latin typeface="Open Sans"/>
+              </a:rPr>
+              <a:t>– Click “</a:t>
+            </a:r>
+            <a:r>
+              <a:rPr lang="en-GB" b="1" i="1" smtClean="0">
+                <a:solidFill>
+                  <a:srgbClr val="000000"/>
+                </a:solidFill>
+                <a:effectLst/>
+                <a:latin typeface="inherit"/>
+              </a:rPr>
+              <a:t>I accept the terms of the license agreement</a:t>
+            </a:r>
+            <a:r>
+              <a:rPr lang="en-GB" b="0" i="0" smtClean="0">
+                <a:solidFill>
+                  <a:srgbClr val="000000"/>
+                </a:solidFill>
+                <a:effectLst/>
+                <a:latin typeface="Open Sans"/>
+              </a:rPr>
+              <a:t>” and then click the Finish button.</a:t>
+            </a:r>
+            <a:endParaRPr lang="en-IN"/>
+          </a:p>
+        </p:txBody>
+      </p:sp>
+    </p:spTree>
+    <p:extLst>
+      <p:ext uri="{BB962C8B-B14F-4D97-AF65-F5344CB8AC3E}">
+        <p14:creationId xmlns:p14="http://schemas.microsoft.com/office/powerpoint/2010/main" val="422030392"/>
+      </p:ext>
+    </p:extLst>
+  </p:cSld>
+  <p:clrMapOvr>
+    <a:masterClrMapping/>
+  </p:clrMapOvr>
+</p:sld>
+</file>
+
 <file path=ppt/slides/slide12.xml><?xml version="1.0" encoding="utf-8"?>
 <p:sld xmlns:a="http://schemas.openxmlformats.org/drawingml/2006/main" xmlns:r="http://schemas.openxmlformats.org/officeDocument/2006/relationships" xmlns:p="http://schemas.openxmlformats.org/presentationml/2006/main">
   <p:cSld>
@@ -3267,203 +3576,6 @@
       </p:grpSpPr>
       <p:sp>
         <p:nvSpPr>
-          <p:cNvPr id="2" name="AutoShape 2" descr="https://qaautomationexpert.files.wordpress.com/2022/06/image-41.png?w=871"/>
-          <p:cNvSpPr>
-            <a:spLocks noChangeAspect="1" noChangeArrowheads="1"/>
-          </p:cNvSpPr>
-          <p:nvPr/>
-        </p:nvSpPr>
-        <p:spPr bwMode="auto">
-          <a:xfrm>
-            <a:off x="1920875" y="1125537"/>
-            <a:ext cx="304800" cy="304801"/>
-          </a:xfrm>
-          <a:prstGeom prst="rect">
-            <a:avLst/>
-          </a:prstGeom>
-          <a:noFill/>
-          <a:extLst>
-            <a:ext uri="{909E8E84-426E-40DD-AFC4-6F175D3DCCD1}">
-              <a14:hiddenFill xmlns:a14="http://schemas.microsoft.com/office/drawing/2010/main">
-                <a:solidFill>
-                  <a:srgbClr val="FFFFFF"/>
-                </a:solidFill>
-              </a14:hiddenFill>
-            </a:ext>
-          </a:extLst>
-        </p:spPr>
-        <p:txBody>
-          <a:bodyPr vert="horz" wrap="square" lIns="91440" tIns="45720" rIns="91440" bIns="45720" numCol="1" anchor="t" anchorCtr="0" compatLnSpc="1">
-            <a:prstTxWarp prst="textNoShape">
-              <a:avLst/>
-            </a:prstTxWarp>
-          </a:bodyPr>
-          <a:lstStyle/>
-          <a:p>
-            <a:endParaRPr lang="en-IN"/>
-          </a:p>
-        </p:txBody>
-      </p:sp>
-      <p:sp>
-        <p:nvSpPr>
-          <p:cNvPr id="3" name="AutoShape 4" descr="https://qaautomationexpert.files.wordpress.com/2022/06/image-41.png?w=871"/>
-          <p:cNvSpPr>
-            <a:spLocks noChangeAspect="1" noChangeArrowheads="1"/>
-          </p:cNvSpPr>
-          <p:nvPr/>
-        </p:nvSpPr>
-        <p:spPr bwMode="auto">
-          <a:xfrm>
-            <a:off x="2073275" y="3475037"/>
-            <a:ext cx="4899025" cy="304801"/>
-          </a:xfrm>
-          <a:prstGeom prst="rect">
-            <a:avLst/>
-          </a:prstGeom>
-          <a:noFill/>
-          <a:extLst>
-            <a:ext uri="{909E8E84-426E-40DD-AFC4-6F175D3DCCD1}">
-              <a14:hiddenFill xmlns:a14="http://schemas.microsoft.com/office/drawing/2010/main">
-                <a:solidFill>
-                  <a:srgbClr val="FFFFFF"/>
-                </a:solidFill>
-              </a14:hiddenFill>
-            </a:ext>
-          </a:extLst>
-        </p:spPr>
-        <p:txBody>
-          <a:bodyPr vert="horz" wrap="square" lIns="91440" tIns="45720" rIns="91440" bIns="45720" numCol="1" anchor="t" anchorCtr="0" compatLnSpc="1">
-            <a:prstTxWarp prst="textNoShape">
-              <a:avLst/>
-            </a:prstTxWarp>
-          </a:bodyPr>
-          <a:lstStyle/>
-          <a:p>
-            <a:endParaRPr lang="en-IN"/>
-          </a:p>
-        </p:txBody>
-      </p:sp>
-      <p:pic>
-        <p:nvPicPr>
-          <p:cNvPr id="6" name="Picture 5"/>
-          <p:cNvPicPr>
-            <a:picLocks noChangeAspect="1"/>
-          </p:cNvPicPr>
-          <p:nvPr/>
-        </p:nvPicPr>
-        <p:blipFill>
-          <a:blip r:embed="rId2"/>
-          <a:stretch>
-            <a:fillRect/>
-          </a:stretch>
-        </p:blipFill>
-        <p:spPr>
-          <a:xfrm>
-            <a:off x="336550" y="400050"/>
-            <a:ext cx="6743700" cy="5448300"/>
-          </a:xfrm>
-          <a:prstGeom prst="rect">
-            <a:avLst/>
-          </a:prstGeom>
-        </p:spPr>
-      </p:pic>
-      <p:sp>
-        <p:nvSpPr>
-          <p:cNvPr id="7" name="Rectangle 6"/>
-          <p:cNvSpPr/>
-          <p:nvPr/>
-        </p:nvSpPr>
-        <p:spPr>
-          <a:xfrm>
-            <a:off x="127000" y="5991006"/>
-            <a:ext cx="10845800" cy="369332"/>
-          </a:xfrm>
-          <a:prstGeom prst="rect">
-            <a:avLst/>
-          </a:prstGeom>
-        </p:spPr>
-        <p:txBody>
-          <a:bodyPr wrap="square">
-            <a:spAutoFit/>
-          </a:bodyPr>
-          <a:lstStyle/>
-          <a:p>
-            <a:r>
-              <a:rPr lang="en-GB" b="1" i="1" smtClean="0">
-                <a:solidFill>
-                  <a:srgbClr val="000000"/>
-                </a:solidFill>
-                <a:effectLst/>
-                <a:latin typeface="inherit"/>
-              </a:rPr>
-              <a:t>Step 6 </a:t>
-            </a:r>
-            <a:r>
-              <a:rPr lang="en-GB" b="0" i="0" smtClean="0">
-                <a:solidFill>
-                  <a:srgbClr val="000000"/>
-                </a:solidFill>
-                <a:effectLst/>
-                <a:latin typeface="Open Sans"/>
-              </a:rPr>
-              <a:t>– Click “</a:t>
-            </a:r>
-            <a:r>
-              <a:rPr lang="en-GB" b="1" i="1" smtClean="0">
-                <a:solidFill>
-                  <a:srgbClr val="000000"/>
-                </a:solidFill>
-                <a:effectLst/>
-                <a:latin typeface="inherit"/>
-              </a:rPr>
-              <a:t>I accept the terms of the license agreement</a:t>
-            </a:r>
-            <a:r>
-              <a:rPr lang="en-GB" b="0" i="0" smtClean="0">
-                <a:solidFill>
-                  <a:srgbClr val="000000"/>
-                </a:solidFill>
-                <a:effectLst/>
-                <a:latin typeface="Open Sans"/>
-              </a:rPr>
-              <a:t>” and then click the Finish button.</a:t>
-            </a:r>
-            <a:endParaRPr lang="en-IN"/>
-          </a:p>
-        </p:txBody>
-      </p:sp>
-    </p:spTree>
-    <p:extLst>
-      <p:ext uri="{BB962C8B-B14F-4D97-AF65-F5344CB8AC3E}">
-        <p14:creationId xmlns:p14="http://schemas.microsoft.com/office/powerpoint/2010/main" val="422030392"/>
-      </p:ext>
-    </p:extLst>
-  </p:cSld>
-  <p:clrMapOvr>
-    <a:masterClrMapping/>
-  </p:clrMapOvr>
-</p:sld>
-</file>
-
-<file path=ppt/slides/slide13.xml><?xml version="1.0" encoding="utf-8"?>
-<p:sld xmlns:a="http://schemas.openxmlformats.org/drawingml/2006/main" xmlns:r="http://schemas.openxmlformats.org/officeDocument/2006/relationships" xmlns:p="http://schemas.openxmlformats.org/presentationml/2006/main">
-  <p:cSld>
-    <p:spTree>
-      <p:nvGrpSpPr>
-        <p:cNvPr id="1" name=""/>
-        <p:cNvGrpSpPr/>
-        <p:nvPr/>
-      </p:nvGrpSpPr>
-      <p:grpSpPr>
-        <a:xfrm>
-          <a:off x="0" y="0"/>
-          <a:ext cx="0" cy="0"/>
-          <a:chOff x="0" y="0"/>
-          <a:chExt cx="0" cy="0"/>
-        </a:xfrm>
-      </p:grpSpPr>
-      <p:sp>
-        <p:nvSpPr>
           <p:cNvPr id="2" name="AutoShape 2" descr="https://qaautomationexpert.files.wordpress.com/2022/06/image-42.png?w=871"/>
           <p:cNvSpPr>
             <a:spLocks noChangeAspect="1" noChangeArrowheads="1"/>
@@ -3613,7 +3725,7 @@
 </p:sld>
 </file>
 
-<file path=ppt/slides/slide14.xml><?xml version="1.0" encoding="utf-8"?>
+<file path=ppt/slides/slide13.xml><?xml version="1.0" encoding="utf-8"?>
 <p:sld xmlns:a="http://schemas.openxmlformats.org/drawingml/2006/main" xmlns:r="http://schemas.openxmlformats.org/officeDocument/2006/relationships" xmlns:p="http://schemas.openxmlformats.org/presentationml/2006/main">
   <p:cSld>
     <p:spTree>
@@ -3693,6 +3805,60 @@
     <p:extLst>
       <p:ext uri="{BB962C8B-B14F-4D97-AF65-F5344CB8AC3E}">
         <p14:creationId xmlns:p14="http://schemas.microsoft.com/office/powerpoint/2010/main" val="3856925278"/>
+      </p:ext>
+    </p:extLst>
+  </p:cSld>
+  <p:clrMapOvr>
+    <a:masterClrMapping/>
+  </p:clrMapOvr>
+</p:sld>
+</file>
+
+<file path=ppt/slides/slide14.xml><?xml version="1.0" encoding="utf-8"?>
+<p:sld xmlns:a="http://schemas.openxmlformats.org/drawingml/2006/main" xmlns:r="http://schemas.openxmlformats.org/officeDocument/2006/relationships" xmlns:p="http://schemas.openxmlformats.org/presentationml/2006/main">
+  <p:cSld>
+    <p:spTree>
+      <p:nvGrpSpPr>
+        <p:cNvPr id="1" name=""/>
+        <p:cNvGrpSpPr/>
+        <p:nvPr/>
+      </p:nvGrpSpPr>
+      <p:grpSpPr>
+        <a:xfrm>
+          <a:off x="0" y="0"/>
+          <a:ext cx="0" cy="0"/>
+          <a:chOff x="0" y="0"/>
+          <a:chExt cx="0" cy="0"/>
+        </a:xfrm>
+      </p:grpSpPr>
+      <p:pic>
+        <p:nvPicPr>
+          <p:cNvPr id="2" name="Picture 1"/>
+          <p:cNvPicPr>
+            <a:picLocks noChangeAspect="1"/>
+          </p:cNvPicPr>
+          <p:nvPr/>
+        </p:nvPicPr>
+        <p:blipFill>
+          <a:blip r:embed="rId2"/>
+          <a:stretch>
+            <a:fillRect/>
+          </a:stretch>
+        </p:blipFill>
+        <p:spPr>
+          <a:xfrm>
+            <a:off x="233362" y="239712"/>
+            <a:ext cx="6848475" cy="3609975"/>
+          </a:xfrm>
+          <a:prstGeom prst="rect">
+            <a:avLst/>
+          </a:prstGeom>
+        </p:spPr>
+      </p:pic>
+    </p:spTree>
+    <p:extLst>
+      <p:ext uri="{BB962C8B-B14F-4D97-AF65-F5344CB8AC3E}">
+        <p14:creationId xmlns:p14="http://schemas.microsoft.com/office/powerpoint/2010/main" val="1578807537"/>
       </p:ext>
     </p:extLst>
   </p:cSld>
@@ -3735,8 +3901,8 @@
         </p:blipFill>
         <p:spPr>
           <a:xfrm>
-            <a:off x="233362" y="239712"/>
-            <a:ext cx="6848475" cy="3609975"/>
+            <a:off x="92075" y="174625"/>
+            <a:ext cx="6877050" cy="5391150"/>
           </a:xfrm>
           <a:prstGeom prst="rect">
             <a:avLst/>
@@ -3746,7 +3912,7 @@
     </p:spTree>
     <p:extLst>
       <p:ext uri="{BB962C8B-B14F-4D97-AF65-F5344CB8AC3E}">
-        <p14:creationId xmlns:p14="http://schemas.microsoft.com/office/powerpoint/2010/main" val="1578807537"/>
+        <p14:creationId xmlns:p14="http://schemas.microsoft.com/office/powerpoint/2010/main" val="3033938781"/>
       </p:ext>
     </p:extLst>
   </p:cSld>
@@ -3773,34 +3939,261 @@
           <a:chExt cx="0" cy="0"/>
         </a:xfrm>
       </p:grpSpPr>
+      <p:sp>
+        <p:nvSpPr>
+          <p:cNvPr id="2" name="Rectangle 1"/>
+          <p:cNvSpPr/>
+          <p:nvPr/>
+        </p:nvSpPr>
+        <p:spPr>
+          <a:xfrm>
+            <a:off x="218474" y="348734"/>
+            <a:ext cx="5074851" cy="369332"/>
+          </a:xfrm>
+          <a:prstGeom prst="rect">
+            <a:avLst/>
+          </a:prstGeom>
+        </p:spPr>
+        <p:txBody>
+          <a:bodyPr wrap="none">
+            <a:spAutoFit/>
+          </a:bodyPr>
+          <a:lstStyle/>
+          <a:p>
+            <a:pPr fontAlgn="base"/>
+            <a:r>
+              <a:rPr lang="en-GB" b="1" i="1" dirty="0" smtClean="0">
+                <a:solidFill>
+                  <a:srgbClr val="0000EE"/>
+                </a:solidFill>
+                <a:effectLst/>
+                <a:latin typeface="inherit"/>
+              </a:rPr>
+              <a:t>Step 5 – Download and install TestNG plugin</a:t>
+            </a:r>
+            <a:endParaRPr lang="en-GB" b="1" i="0" dirty="0">
+              <a:solidFill>
+                <a:srgbClr val="0000EE"/>
+              </a:solidFill>
+              <a:effectLst/>
+              <a:latin typeface="Montserrat"/>
+            </a:endParaRPr>
+          </a:p>
+        </p:txBody>
+      </p:sp>
+      <p:sp>
+        <p:nvSpPr>
+          <p:cNvPr id="3" name="Rectangle 2"/>
+          <p:cNvSpPr/>
+          <p:nvPr/>
+        </p:nvSpPr>
+        <p:spPr>
+          <a:xfrm>
+            <a:off x="218474" y="1009134"/>
+            <a:ext cx="4185761" cy="369332"/>
+          </a:xfrm>
+          <a:prstGeom prst="rect">
+            <a:avLst/>
+          </a:prstGeom>
+        </p:spPr>
+        <p:txBody>
+          <a:bodyPr wrap="none">
+            <a:spAutoFit/>
+          </a:bodyPr>
+          <a:lstStyle/>
+          <a:p>
+            <a:pPr fontAlgn="base"/>
+            <a:r>
+              <a:rPr lang="en-GB" b="1" i="1" dirty="0" smtClean="0">
+                <a:solidFill>
+                  <a:srgbClr val="0000EE"/>
+                </a:solidFill>
+                <a:effectLst/>
+                <a:latin typeface="inherit"/>
+              </a:rPr>
+              <a:t>Step 6 – Create a new Maven Project</a:t>
+            </a:r>
+            <a:endParaRPr lang="en-GB" b="1" i="0" dirty="0">
+              <a:solidFill>
+                <a:srgbClr val="0000EE"/>
+              </a:solidFill>
+              <a:effectLst/>
+              <a:latin typeface="Montserrat"/>
+            </a:endParaRPr>
+          </a:p>
+        </p:txBody>
+      </p:sp>
+      <p:sp>
+        <p:nvSpPr>
+          <p:cNvPr id="4" name="Rectangle 3"/>
+          <p:cNvSpPr/>
+          <p:nvPr/>
+        </p:nvSpPr>
+        <p:spPr>
+          <a:xfrm>
+            <a:off x="218474" y="1669534"/>
+            <a:ext cx="11148026" cy="369332"/>
+          </a:xfrm>
+          <a:prstGeom prst="rect">
+            <a:avLst/>
+          </a:prstGeom>
+        </p:spPr>
+        <p:txBody>
+          <a:bodyPr wrap="square">
+            <a:spAutoFit/>
+          </a:bodyPr>
+          <a:lstStyle/>
+          <a:p>
+            <a:pPr fontAlgn="base"/>
+            <a:r>
+              <a:rPr lang="en-GB" b="1" i="1" dirty="0" smtClean="0">
+                <a:solidFill>
+                  <a:srgbClr val="0000EE"/>
+                </a:solidFill>
+                <a:effectLst/>
+                <a:latin typeface="inherit"/>
+              </a:rPr>
+              <a:t>Step 7 – Create source folder src/test/resources to create test scenarios in Feature file</a:t>
+            </a:r>
+            <a:endParaRPr lang="en-GB" b="1" i="0" dirty="0">
+              <a:solidFill>
+                <a:srgbClr val="0000EE"/>
+              </a:solidFill>
+              <a:effectLst/>
+              <a:latin typeface="Montserrat"/>
+            </a:endParaRPr>
+          </a:p>
+        </p:txBody>
+      </p:sp>
+      <p:sp>
+        <p:nvSpPr>
+          <p:cNvPr id="5" name="Rectangle 4"/>
+          <p:cNvSpPr/>
+          <p:nvPr/>
+        </p:nvSpPr>
+        <p:spPr>
+          <a:xfrm>
+            <a:off x="218474" y="2329934"/>
+            <a:ext cx="11808426" cy="1477328"/>
+          </a:xfrm>
+          <a:prstGeom prst="rect">
+            <a:avLst/>
+          </a:prstGeom>
+        </p:spPr>
+        <p:txBody>
+          <a:bodyPr wrap="square">
+            <a:spAutoFit/>
+          </a:bodyPr>
+          <a:lstStyle/>
+          <a:p>
+            <a:pPr fontAlgn="base"/>
+            <a:r>
+              <a:rPr lang="en-GB" b="0" i="0" dirty="0" smtClean="0">
+                <a:effectLst/>
+                <a:latin typeface="Open Sans"/>
+              </a:rPr>
+              <a:t>When a new Maven Project is created, it has 2 folders –</a:t>
+            </a:r>
+            <a:r>
+              <a:rPr lang="en-GB" b="1" i="1" dirty="0" smtClean="0">
+                <a:effectLst/>
+                <a:latin typeface="inherit"/>
+              </a:rPr>
+              <a:t> src/main/java</a:t>
+            </a:r>
+            <a:r>
+              <a:rPr lang="en-GB" b="0" i="0" dirty="0" smtClean="0">
+                <a:effectLst/>
+                <a:latin typeface="Open Sans"/>
+              </a:rPr>
+              <a:t> and </a:t>
+            </a:r>
+            <a:r>
+              <a:rPr lang="en-GB" b="1" i="1" dirty="0" smtClean="0">
+                <a:effectLst/>
+                <a:latin typeface="inherit"/>
+              </a:rPr>
+              <a:t>src/test/java</a:t>
+            </a:r>
+            <a:r>
+              <a:rPr lang="en-GB" b="0" i="0" dirty="0" smtClean="0">
+                <a:effectLst/>
+                <a:latin typeface="Open Sans"/>
+              </a:rPr>
+              <a:t> as shown below image. To create test scenarios, we need a new source folder called – </a:t>
+            </a:r>
+            <a:r>
+              <a:rPr lang="en-GB" b="1" i="1" dirty="0" smtClean="0">
+                <a:effectLst/>
+                <a:latin typeface="inherit"/>
+              </a:rPr>
+              <a:t>src/test/resources</a:t>
+            </a:r>
+            <a:r>
+              <a:rPr lang="en-GB" b="0" i="0" dirty="0" smtClean="0">
+                <a:effectLst/>
+                <a:latin typeface="Open Sans"/>
+              </a:rPr>
+              <a:t>. To create this folder, right-click on your maven project -&gt;select New -&gt;Java, and then Source Folder.</a:t>
+            </a:r>
+          </a:p>
+          <a:p>
+            <a:r>
+              <a:rPr lang="en-GB" smtClean="0"/>
+              <a:t/>
+            </a:r>
+            <a:br>
+              <a:rPr lang="en-GB" smtClean="0"/>
+            </a:br>
+            <a:endParaRPr lang="en-IN"/>
+          </a:p>
+        </p:txBody>
+      </p:sp>
       <p:pic>
         <p:nvPicPr>
-          <p:cNvPr id="2" name="Picture 1"/>
+          <p:cNvPr id="1026" name="Picture 2" descr="https://qaautomationexpert.files.wordpress.com/2022/09/image-25.png?w=312"/>
           <p:cNvPicPr>
-            <a:picLocks noChangeAspect="1"/>
+            <a:picLocks noChangeAspect="1" noChangeArrowheads="1"/>
           </p:cNvPicPr>
           <p:nvPr/>
         </p:nvPicPr>
         <p:blipFill>
-          <a:blip r:embed="rId2"/>
+          <a:blip r:embed="rId2">
+            <a:extLst>
+              <a:ext uri="{28A0092B-C50C-407E-A947-70E740481C1C}">
+                <a14:useLocalDpi xmlns:a14="http://schemas.microsoft.com/office/drawing/2010/main" val="0"/>
+              </a:ext>
+            </a:extLst>
+          </a:blip>
+          <a:srcRect/>
           <a:stretch>
             <a:fillRect/>
           </a:stretch>
         </p:blipFill>
-        <p:spPr>
-          <a:xfrm>
-            <a:off x="92075" y="174625"/>
-            <a:ext cx="6877050" cy="5391150"/>
+        <p:spPr bwMode="auto">
+          <a:xfrm>
+            <a:off x="473075" y="3500398"/>
+            <a:ext cx="2971800" cy="2743201"/>
           </a:xfrm>
           <a:prstGeom prst="rect">
             <a:avLst/>
           </a:prstGeom>
+          <a:noFill/>
+          <a:extLst>
+            <a:ext uri="{909E8E84-426E-40DD-AFC4-6F175D3DCCD1}">
+              <a14:hiddenFill xmlns:a14="http://schemas.microsoft.com/office/drawing/2010/main">
+                <a:solidFill>
+                  <a:srgbClr val="FFFFFF"/>
+                </a:solidFill>
+              </a14:hiddenFill>
+            </a:ext>
+          </a:extLst>
         </p:spPr>
       </p:pic>
     </p:spTree>
     <p:extLst>
       <p:ext uri="{BB962C8B-B14F-4D97-AF65-F5344CB8AC3E}">
-        <p14:creationId xmlns:p14="http://schemas.microsoft.com/office/powerpoint/2010/main" val="3033938781"/>
+        <p14:creationId xmlns:p14="http://schemas.microsoft.com/office/powerpoint/2010/main" val="795395786"/>
       </p:ext>
     </p:extLst>
   </p:cSld>
@@ -3835,15 +4228,15 @@
         </p:nvSpPr>
         <p:spPr>
           <a:xfrm>
-            <a:off x="218474" y="348734"/>
-            <a:ext cx="5074851" cy="369332"/>
+            <a:off x="228600" y="248335"/>
+            <a:ext cx="9486900" cy="369332"/>
           </a:xfrm>
           <a:prstGeom prst="rect">
             <a:avLst/>
           </a:prstGeom>
         </p:spPr>
         <p:txBody>
-          <a:bodyPr wrap="none">
+          <a:bodyPr wrap="square">
             <a:spAutoFit/>
           </a:bodyPr>
           <a:lstStyle/>
@@ -3857,7 +4250,7 @@
                 <a:effectLst/>
                 <a:latin typeface="inherit"/>
               </a:rPr>
-              <a:t>Step 5 – Download and install TestNG plugin</a:t>
+              <a:t>Step 8 – Add Selenium, TestNG, and Cucumber dependencies to the project</a:t>
             </a:r>
             <a:endParaRPr lang="en-GB" b="1" i="0" dirty="0">
               <a:solidFill>
@@ -3877,15 +4270,15 @@
         </p:nvSpPr>
         <p:spPr>
           <a:xfrm>
-            <a:off x="218474" y="1009134"/>
-            <a:ext cx="4185761" cy="369332"/>
+            <a:off x="228600" y="870635"/>
+            <a:ext cx="9626600" cy="369332"/>
           </a:xfrm>
           <a:prstGeom prst="rect">
             <a:avLst/>
           </a:prstGeom>
         </p:spPr>
         <p:txBody>
-          <a:bodyPr wrap="none">
+          <a:bodyPr wrap="square">
             <a:spAutoFit/>
           </a:bodyPr>
           <a:lstStyle/>
@@ -3899,7 +4292,7 @@
                 <a:effectLst/>
                 <a:latin typeface="inherit"/>
               </a:rPr>
-              <a:t>Step 6 – Create a new Maven Project</a:t>
+              <a:t>Step 9 – Add Maven Compiler Plugin and SureFire Plugin</a:t>
             </a:r>
             <a:endParaRPr lang="en-GB" b="1" i="0" dirty="0">
               <a:solidFill>
@@ -3919,8 +4312,8 @@
         </p:nvSpPr>
         <p:spPr>
           <a:xfrm>
-            <a:off x="218474" y="1669534"/>
-            <a:ext cx="11148026" cy="369332"/>
+            <a:off x="368300" y="1492935"/>
+            <a:ext cx="11823700" cy="1477328"/>
           </a:xfrm>
           <a:prstGeom prst="rect">
             <a:avLst/>
@@ -3934,6 +4327,103 @@
           <a:p>
             <a:pPr fontAlgn="base"/>
             <a:r>
+              <a:rPr lang="en-GB" b="0" i="0" dirty="0" smtClean="0">
+                <a:effectLst/>
+                <a:latin typeface="Open Sans"/>
+              </a:rPr>
+              <a:t>The compiler plugin is used to compile the source code of a Maven project. This plugin has two goals, which are already bound to specific phases of the default lifecycle:</a:t>
+            </a:r>
+          </a:p>
+          <a:p>
+            <a:pPr fontAlgn="base"/>
+            <a:endParaRPr lang="en-GB" b="0" i="0" dirty="0" smtClean="0">
+              <a:effectLst/>
+              <a:latin typeface="Open Sans"/>
+            </a:endParaRPr>
+          </a:p>
+          <a:p>
+            <a:pPr fontAlgn="base">
+              <a:buFont typeface="Arial" panose="020B0604020202020204" pitchFamily="34" charset="0"/>
+              <a:buChar char="•"/>
+            </a:pPr>
+            <a:r>
+              <a:rPr lang="en-GB" b="0" i="0" dirty="0" smtClean="0">
+                <a:effectLst/>
+                <a:latin typeface="inherit"/>
+              </a:rPr>
+              <a:t>compile</a:t>
+            </a:r>
+            <a:r>
+              <a:rPr lang="en-GB" b="1" i="0" dirty="0" smtClean="0">
+                <a:effectLst/>
+                <a:latin typeface="inherit"/>
+              </a:rPr>
+              <a:t> –</a:t>
+            </a:r>
+            <a:r>
+              <a:rPr lang="en-GB" b="0" i="0" dirty="0" smtClean="0">
+                <a:effectLst/>
+                <a:latin typeface="inherit"/>
+              </a:rPr>
+              <a:t> compile main source files</a:t>
+            </a:r>
+          </a:p>
+          <a:p>
+            <a:pPr fontAlgn="base">
+              <a:buFont typeface="Arial" panose="020B0604020202020204" pitchFamily="34" charset="0"/>
+              <a:buChar char="•"/>
+            </a:pPr>
+            <a:r>
+              <a:rPr lang="en-GB" b="0" i="0" dirty="0" smtClean="0">
+                <a:effectLst/>
+                <a:latin typeface="inherit"/>
+              </a:rPr>
+              <a:t>testCompile</a:t>
+            </a:r>
+            <a:r>
+              <a:rPr lang="en-GB" b="1" i="0" dirty="0" smtClean="0">
+                <a:effectLst/>
+                <a:latin typeface="inherit"/>
+              </a:rPr>
+              <a:t> –</a:t>
+            </a:r>
+            <a:r>
+              <a:rPr lang="en-GB" b="0" i="0" dirty="0" smtClean="0">
+                <a:effectLst/>
+                <a:latin typeface="inherit"/>
+              </a:rPr>
+              <a:t> compile test source files</a:t>
+            </a:r>
+            <a:endParaRPr lang="en-GB" b="0" i="0" dirty="0">
+              <a:effectLst/>
+              <a:latin typeface="inherit"/>
+            </a:endParaRPr>
+          </a:p>
+        </p:txBody>
+      </p:sp>
+      <p:sp>
+        <p:nvSpPr>
+          <p:cNvPr id="5" name="Rectangle 4"/>
+          <p:cNvSpPr/>
+          <p:nvPr/>
+        </p:nvSpPr>
+        <p:spPr>
+          <a:xfrm>
+            <a:off x="368300" y="3437235"/>
+            <a:ext cx="11137900" cy="646331"/>
+          </a:xfrm>
+          <a:prstGeom prst="rect">
+            <a:avLst/>
+          </a:prstGeom>
+        </p:spPr>
+        <p:txBody>
+          <a:bodyPr wrap="square">
+            <a:spAutoFit/>
+          </a:bodyPr>
+          <a:lstStyle/>
+          <a:p>
+            <a:pPr fontAlgn="base"/>
+            <a:r>
               <a:rPr lang="en-GB" b="1" i="1" dirty="0" smtClean="0">
                 <a:solidFill>
                   <a:srgbClr val="0000EE"/>
@@ -3941,7 +4431,7 @@
                 <a:effectLst/>
                 <a:latin typeface="inherit"/>
               </a:rPr>
-              <a:t>Step 7 – Create source folder src/test/resources to create test scenarios in Feature file</a:t>
+              <a:t>Step 10 – Create a feature file (LoginPage.feature) containing all the test scenarios under src/test/resources/features</a:t>
             </a:r>
             <a:endParaRPr lang="en-GB" b="1" i="0" dirty="0">
               <a:solidFill>
@@ -3953,135 +4443,34 @@
           </a:p>
         </p:txBody>
       </p:sp>
-      <p:sp>
-        <p:nvSpPr>
-          <p:cNvPr id="5" name="Rectangle 4"/>
-          <p:cNvSpPr/>
-          <p:nvPr/>
-        </p:nvSpPr>
-        <p:spPr>
-          <a:xfrm>
-            <a:off x="218474" y="2329934"/>
-            <a:ext cx="11808426" cy="1477328"/>
-          </a:xfrm>
-          <a:prstGeom prst="rect">
-            <a:avLst/>
-          </a:prstGeom>
-        </p:spPr>
-        <p:txBody>
-          <a:bodyPr wrap="square">
-            <a:spAutoFit/>
-          </a:bodyPr>
-          <a:lstStyle/>
-          <a:p>
-            <a:pPr fontAlgn="base"/>
-            <a:r>
-              <a:rPr lang="en-GB" b="0" i="0" dirty="0" smtClean="0">
-                <a:effectLst/>
-                <a:latin typeface="Open Sans"/>
-              </a:rPr>
-              <a:t>When a new Maven Project is created, it has 2 folders –</a:t>
-            </a:r>
-            <a:r>
-              <a:rPr lang="en-GB" b="1" i="1" dirty="0" smtClean="0">
-                <a:effectLst/>
-                <a:latin typeface="inherit"/>
-              </a:rPr>
-              <a:t> src/main/java</a:t>
-            </a:r>
-            <a:r>
-              <a:rPr lang="en-GB" b="0" i="0" dirty="0" smtClean="0">
-                <a:effectLst/>
-                <a:latin typeface="Open Sans"/>
-              </a:rPr>
-              <a:t> and </a:t>
-            </a:r>
-            <a:r>
-              <a:rPr lang="en-GB" b="1" i="1" dirty="0" smtClean="0">
-                <a:effectLst/>
-                <a:latin typeface="inherit"/>
-              </a:rPr>
-              <a:t>src/test/java</a:t>
-            </a:r>
-            <a:r>
-              <a:rPr lang="en-GB" b="0" i="0" dirty="0" smtClean="0">
-                <a:effectLst/>
-                <a:latin typeface="Open Sans"/>
-              </a:rPr>
-              <a:t> as shown below image. To create test scenarios, we need a new source folder called – </a:t>
-            </a:r>
-            <a:r>
-              <a:rPr lang="en-GB" b="1" i="1" dirty="0" smtClean="0">
-                <a:effectLst/>
-                <a:latin typeface="inherit"/>
-              </a:rPr>
-              <a:t>src/test/resources</a:t>
-            </a:r>
-            <a:r>
-              <a:rPr lang="en-GB" b="0" i="0" dirty="0" smtClean="0">
-                <a:effectLst/>
-                <a:latin typeface="Open Sans"/>
-              </a:rPr>
-              <a:t>. To create this folder, right-click on your maven project -&gt;select New -&gt;Java, and then Source Folder.</a:t>
-            </a:r>
-          </a:p>
-          <a:p>
-            <a:r>
-              <a:rPr lang="en-GB" smtClean="0"/>
-              <a:t/>
-            </a:r>
-            <a:br>
-              <a:rPr lang="en-GB" smtClean="0"/>
-            </a:br>
-            <a:endParaRPr lang="en-IN"/>
-          </a:p>
-        </p:txBody>
-      </p:sp>
       <p:pic>
         <p:nvPicPr>
-          <p:cNvPr id="1026" name="Picture 2" descr="https://qaautomationexpert.files.wordpress.com/2022/09/image-25.png?w=312"/>
+          <p:cNvPr id="6" name="Picture 5"/>
           <p:cNvPicPr>
-            <a:picLocks noChangeAspect="1" noChangeArrowheads="1"/>
+            <a:picLocks noChangeAspect="1"/>
           </p:cNvPicPr>
           <p:nvPr/>
         </p:nvPicPr>
         <p:blipFill>
-          <a:blip r:embed="rId2">
-            <a:extLst>
-              <a:ext uri="{28A0092B-C50C-407E-A947-70E740481C1C}">
-                <a14:useLocalDpi xmlns:a14="http://schemas.microsoft.com/office/drawing/2010/main" val="0"/>
-              </a:ext>
-            </a:extLst>
-          </a:blip>
-          <a:srcRect/>
+          <a:blip r:embed="rId2"/>
           <a:stretch>
             <a:fillRect/>
           </a:stretch>
         </p:blipFill>
-        <p:spPr bwMode="auto">
-          <a:xfrm>
-            <a:off x="473075" y="3500398"/>
-            <a:ext cx="2971800" cy="2743201"/>
+        <p:spPr>
+          <a:xfrm>
+            <a:off x="630237" y="4449762"/>
+            <a:ext cx="3743325" cy="1895475"/>
           </a:xfrm>
           <a:prstGeom prst="rect">
             <a:avLst/>
           </a:prstGeom>
-          <a:noFill/>
-          <a:extLst>
-            <a:ext uri="{909E8E84-426E-40DD-AFC4-6F175D3DCCD1}">
-              <a14:hiddenFill xmlns:a14="http://schemas.microsoft.com/office/drawing/2010/main">
-                <a:solidFill>
-                  <a:srgbClr val="FFFFFF"/>
-                </a:solidFill>
-              </a14:hiddenFill>
-            </a:ext>
-          </a:extLst>
         </p:spPr>
       </p:pic>
     </p:spTree>
     <p:extLst>
       <p:ext uri="{BB962C8B-B14F-4D97-AF65-F5344CB8AC3E}">
-        <p14:creationId xmlns:p14="http://schemas.microsoft.com/office/powerpoint/2010/main" val="795395786"/>
+        <p14:creationId xmlns:p14="http://schemas.microsoft.com/office/powerpoint/2010/main" val="2048080702"/>
       </p:ext>
     </p:extLst>
   </p:cSld>
@@ -4116,8 +4505,8 @@
         </p:nvSpPr>
         <p:spPr>
           <a:xfrm>
-            <a:off x="228600" y="248335"/>
-            <a:ext cx="9486900" cy="369332"/>
+            <a:off x="469900" y="264636"/>
+            <a:ext cx="11493500" cy="923330"/>
           </a:xfrm>
           <a:prstGeom prst="rect">
             <a:avLst/>
@@ -4129,6 +4518,122 @@
           </a:bodyPr>
           <a:lstStyle/>
           <a:p>
+            <a:r>
+              <a:rPr lang="en-GB" b="0" i="0" dirty="0" smtClean="0">
+                <a:solidFill>
+                  <a:srgbClr val="000000"/>
+                </a:solidFill>
+                <a:effectLst/>
+                <a:latin typeface="Open Sans"/>
+              </a:rPr>
+              <a:t>It is recommended to create a </a:t>
+            </a:r>
+            <a:r>
+              <a:rPr lang="en-GB" b="1" i="1" dirty="0" smtClean="0">
+                <a:solidFill>
+                  <a:srgbClr val="000000"/>
+                </a:solidFill>
+                <a:effectLst/>
+                <a:latin typeface="inherit"/>
+              </a:rPr>
+              <a:t>features</a:t>
+            </a:r>
+            <a:r>
+              <a:rPr lang="en-GB" b="0" i="0" dirty="0" smtClean="0">
+                <a:solidFill>
+                  <a:srgbClr val="000000"/>
+                </a:solidFill>
+                <a:effectLst/>
+                <a:latin typeface="Open Sans"/>
+              </a:rPr>
+              <a:t> folder in </a:t>
+            </a:r>
+            <a:r>
+              <a:rPr lang="en-GB" b="1" i="1" dirty="0" smtClean="0">
+                <a:solidFill>
+                  <a:srgbClr val="000000"/>
+                </a:solidFill>
+                <a:effectLst/>
+                <a:latin typeface="inherit"/>
+              </a:rPr>
+              <a:t>src/test/resources directory</a:t>
+            </a:r>
+            <a:r>
+              <a:rPr lang="en-GB" b="0" i="0" dirty="0" smtClean="0">
+                <a:solidFill>
+                  <a:srgbClr val="000000"/>
+                </a:solidFill>
+                <a:effectLst/>
+                <a:latin typeface="Open Sans"/>
+              </a:rPr>
+              <a:t>. Create all the feature files in this </a:t>
+            </a:r>
+            <a:r>
+              <a:rPr lang="en-GB" b="1" i="1" dirty="0" smtClean="0">
+                <a:solidFill>
+                  <a:srgbClr val="000000"/>
+                </a:solidFill>
+                <a:effectLst/>
+                <a:latin typeface="inherit"/>
+              </a:rPr>
+              <a:t>features</a:t>
+            </a:r>
+            <a:r>
+              <a:rPr lang="en-GB" b="0" i="0" dirty="0" smtClean="0">
+                <a:solidFill>
+                  <a:srgbClr val="000000"/>
+                </a:solidFill>
+                <a:effectLst/>
+                <a:latin typeface="Open Sans"/>
+              </a:rPr>
+              <a:t> folder. </a:t>
+            </a:r>
+            <a:r>
+              <a:rPr lang="en-GB" b="1" i="0" u="none" strike="noStrike" dirty="0" smtClean="0">
+                <a:solidFill>
+                  <a:srgbClr val="A12410"/>
+                </a:solidFill>
+                <a:effectLst/>
+                <a:latin typeface="Open Sans"/>
+                <a:hlinkClick r:id="rId2"/>
+              </a:rPr>
+              <a:t>Feature</a:t>
+            </a:r>
+            <a:r>
+              <a:rPr lang="en-GB" b="0" i="0" dirty="0" smtClean="0">
+                <a:solidFill>
+                  <a:srgbClr val="000000"/>
+                </a:solidFill>
+                <a:effectLst/>
+                <a:latin typeface="Open Sans"/>
+              </a:rPr>
+              <a:t> file should be saved as an extension of .feature. The test scenarios in the Feature file are written in Gherkins language</a:t>
+            </a:r>
+            <a:endParaRPr lang="en-IN" dirty="0"/>
+          </a:p>
+        </p:txBody>
+      </p:sp>
+      <p:sp>
+        <p:nvSpPr>
+          <p:cNvPr id="3" name="Rectangle 2"/>
+          <p:cNvSpPr/>
+          <p:nvPr/>
+        </p:nvSpPr>
+        <p:spPr>
+          <a:xfrm>
+            <a:off x="469900" y="1721535"/>
+            <a:ext cx="10210800" cy="369332"/>
+          </a:xfrm>
+          <a:prstGeom prst="rect">
+            <a:avLst/>
+          </a:prstGeom>
+        </p:spPr>
+        <p:txBody>
+          <a:bodyPr wrap="square">
+            <a:spAutoFit/>
+          </a:bodyPr>
+          <a:lstStyle/>
+          <a:p>
             <a:pPr fontAlgn="base"/>
             <a:r>
               <a:rPr lang="en-GB" b="1" i="1" dirty="0" smtClean="0">
@@ -4138,7 +4643,7 @@
                 <a:effectLst/>
                 <a:latin typeface="inherit"/>
               </a:rPr>
-              <a:t>Step 8 – Add Selenium, TestNG, and Cucumber dependencies to the project</a:t>
+              <a:t>Step 11 – Create the step definition class in src/test/java</a:t>
             </a:r>
             <a:endParaRPr lang="en-GB" b="1" i="0" dirty="0">
               <a:solidFill>
@@ -4152,14 +4657,14 @@
       </p:sp>
       <p:sp>
         <p:nvSpPr>
-          <p:cNvPr id="3" name="Rectangle 2"/>
+          <p:cNvPr id="4" name="Rectangle 3"/>
           <p:cNvSpPr/>
           <p:nvPr/>
         </p:nvSpPr>
         <p:spPr>
           <a:xfrm>
-            <a:off x="228600" y="870635"/>
-            <a:ext cx="9626600" cy="369332"/>
+            <a:off x="469900" y="2398236"/>
+            <a:ext cx="11379200" cy="923330"/>
           </a:xfrm>
           <a:prstGeom prst="rect">
             <a:avLst/>
@@ -4171,6 +4676,91 @@
           </a:bodyPr>
           <a:lstStyle/>
           <a:p>
+            <a:r>
+              <a:rPr lang="en-GB" b="0" i="0" dirty="0" smtClean="0">
+                <a:solidFill>
+                  <a:srgbClr val="000000"/>
+                </a:solidFill>
+                <a:effectLst/>
+                <a:latin typeface="Open Sans"/>
+              </a:rPr>
+              <a:t>Create the step definition class corresponding to the feature file to test the scenarios in the</a:t>
+            </a:r>
+            <a:r>
+              <a:rPr lang="en-GB" b="1" i="1" dirty="0" smtClean="0">
+                <a:solidFill>
+                  <a:srgbClr val="000000"/>
+                </a:solidFill>
+                <a:effectLst/>
+                <a:latin typeface="inherit"/>
+              </a:rPr>
+              <a:t> src/test/java</a:t>
+            </a:r>
+            <a:r>
+              <a:rPr lang="en-GB" b="0" i="0" dirty="0" smtClean="0">
+                <a:solidFill>
+                  <a:srgbClr val="000000"/>
+                </a:solidFill>
+                <a:effectLst/>
+                <a:latin typeface="Open Sans"/>
+              </a:rPr>
+              <a:t> directory. The StepDefinition files should be created in this </a:t>
+            </a:r>
+            <a:r>
+              <a:rPr lang="en-GB" b="1" i="1" dirty="0" smtClean="0">
+                <a:solidFill>
+                  <a:srgbClr val="000000"/>
+                </a:solidFill>
+                <a:effectLst/>
+                <a:latin typeface="inherit"/>
+              </a:rPr>
+              <a:t>definitions</a:t>
+            </a:r>
+            <a:r>
+              <a:rPr lang="en-GB" b="0" i="1" dirty="0" smtClean="0">
+                <a:solidFill>
+                  <a:srgbClr val="000000"/>
+                </a:solidFill>
+                <a:effectLst/>
+                <a:latin typeface="Open Sans"/>
+              </a:rPr>
+              <a:t> </a:t>
+            </a:r>
+            <a:r>
+              <a:rPr lang="en-GB" b="0" i="0" dirty="0" smtClean="0">
+                <a:solidFill>
+                  <a:srgbClr val="000000"/>
+                </a:solidFill>
+                <a:effectLst/>
+                <a:latin typeface="Open Sans"/>
+              </a:rPr>
+              <a:t>directory within the folder called definitions.</a:t>
+            </a:r>
+            <a:endParaRPr lang="en-IN" dirty="0"/>
+          </a:p>
+        </p:txBody>
+      </p:sp>
+      <p:sp>
+        <p:nvSpPr>
+          <p:cNvPr id="5" name="Rectangle 4"/>
+          <p:cNvSpPr/>
+          <p:nvPr/>
+        </p:nvSpPr>
+        <p:spPr>
+          <a:xfrm>
+            <a:off x="469900" y="3885505"/>
+            <a:ext cx="8902700" cy="369332"/>
+          </a:xfrm>
+          <a:prstGeom prst="rect">
+            <a:avLst/>
+          </a:prstGeom>
+        </p:spPr>
+        <p:txBody>
+          <a:bodyPr wrap="square">
+            <a:spAutoFit/>
+          </a:bodyPr>
+          <a:lstStyle/>
+          <a:p>
             <a:pPr fontAlgn="base"/>
             <a:r>
               <a:rPr lang="en-GB" b="1" i="1" dirty="0" smtClean="0">
@@ -4180,7 +4770,7 @@
                 <a:effectLst/>
                 <a:latin typeface="inherit"/>
               </a:rPr>
-              <a:t>Step 9 – Add Maven Compiler Plugin and SureFire Plugin</a:t>
+              <a:t>Step 12 – Create a TestNG Cucumber Runner class in src/test/java</a:t>
             </a:r>
             <a:endParaRPr lang="en-GB" b="1" i="0" dirty="0">
               <a:solidFill>
@@ -4194,14 +4784,14 @@
       </p:sp>
       <p:sp>
         <p:nvSpPr>
-          <p:cNvPr id="4" name="Rectangle 3"/>
+          <p:cNvPr id="6" name="Rectangle 5"/>
           <p:cNvSpPr/>
           <p:nvPr/>
         </p:nvSpPr>
         <p:spPr>
           <a:xfrm>
-            <a:off x="368300" y="1492935"/>
-            <a:ext cx="11823700" cy="1477328"/>
+            <a:off x="120650" y="4620736"/>
+            <a:ext cx="11728450" cy="923330"/>
           </a:xfrm>
           <a:prstGeom prst="rect">
             <a:avLst/>
@@ -4213,152 +4803,105 @@
           </a:bodyPr>
           <a:lstStyle/>
           <a:p>
-            <a:pPr fontAlgn="base"/>
             <a:r>
               <a:rPr lang="en-GB" b="0" i="0" dirty="0" smtClean="0">
+                <a:solidFill>
+                  <a:srgbClr val="000000"/>
+                </a:solidFill>
                 <a:effectLst/>
                 <a:latin typeface="Open Sans"/>
               </a:rPr>
-              <a:t>The compiler plugin is used to compile the source code of a Maven project. This plugin has two goals, which are already bound to specific phases of the default lifecycle:</a:t>
-            </a:r>
-          </a:p>
-          <a:p>
-            <a:pPr fontAlgn="base"/>
-            <a:endParaRPr lang="en-GB" b="0" i="0" dirty="0" smtClean="0">
-              <a:effectLst/>
-              <a:latin typeface="Open Sans"/>
-            </a:endParaRPr>
-          </a:p>
-          <a:p>
-            <a:pPr fontAlgn="base">
-              <a:buFont typeface="Arial" panose="020B0604020202020204" pitchFamily="34" charset="0"/>
-              <a:buChar char="•"/>
-            </a:pPr>
+              <a:t>We need to create a class called </a:t>
+            </a:r>
+            <a:r>
+              <a:rPr lang="en-GB" b="1" i="1" u="none" strike="noStrike" dirty="0" smtClean="0">
+                <a:solidFill>
+                  <a:srgbClr val="A12410"/>
+                </a:solidFill>
+                <a:effectLst/>
+                <a:latin typeface="inherit"/>
+                <a:hlinkClick r:id="rId3"/>
+              </a:rPr>
+              <a:t>Runner </a:t>
+            </a:r>
             <a:r>
               <a:rPr lang="en-GB" b="0" i="0" dirty="0" smtClean="0">
+                <a:solidFill>
+                  <a:srgbClr val="000000"/>
+                </a:solidFill>
+                <a:effectLst/>
+                <a:latin typeface="Open Sans"/>
+              </a:rPr>
+              <a:t>class to run the tests. This class will use the TestNG annotation </a:t>
+            </a:r>
+            <a:r>
+              <a:rPr lang="en-GB" b="1" i="0" dirty="0" smtClean="0">
+                <a:solidFill>
+                  <a:srgbClr val="000000"/>
+                </a:solidFill>
+                <a:effectLst/>
+                <a:latin typeface="Open Sans"/>
+              </a:rPr>
+              <a:t>@RunWith(),</a:t>
+            </a:r>
+            <a:r>
+              <a:rPr lang="en-GB" b="0" i="0" dirty="0" smtClean="0">
+                <a:solidFill>
+                  <a:srgbClr val="000000"/>
+                </a:solidFill>
+                <a:effectLst/>
+                <a:latin typeface="Open Sans"/>
+              </a:rPr>
+              <a:t> which tells TestNG what is the test runner class. </a:t>
+            </a:r>
+            <a:r>
+              <a:rPr lang="en-GB" b="1" i="1" dirty="0" smtClean="0">
+                <a:solidFill>
+                  <a:srgbClr val="000000"/>
+                </a:solidFill>
                 <a:effectLst/>
                 <a:latin typeface="inherit"/>
               </a:rPr>
-              <a:t>compile</a:t>
-            </a:r>
-            <a:r>
-              <a:rPr lang="en-GB" b="1" i="0" dirty="0" smtClean="0">
+              <a:t>TestRunner </a:t>
+            </a:r>
+            <a:r>
+              <a:rPr lang="en-GB" b="0" i="0" dirty="0" smtClean="0">
+                <a:solidFill>
+                  <a:srgbClr val="000000"/>
+                </a:solidFill>
+                <a:effectLst/>
+                <a:latin typeface="Open Sans"/>
+              </a:rPr>
+              <a:t>should be created under </a:t>
+            </a:r>
+            <a:r>
+              <a:rPr lang="en-GB" b="1" i="1" dirty="0" smtClean="0">
+                <a:solidFill>
+                  <a:srgbClr val="000000"/>
+                </a:solidFill>
                 <a:effectLst/>
                 <a:latin typeface="inherit"/>
               </a:rPr>
-              <a:t> –</a:t>
+              <a:t>src/test/java</a:t>
             </a:r>
             <a:r>
               <a:rPr lang="en-GB" b="0" i="0" dirty="0" smtClean="0">
-                <a:effectLst/>
-                <a:latin typeface="inherit"/>
-              </a:rPr>
-              <a:t> compile main source files</a:t>
-            </a:r>
-          </a:p>
-          <a:p>
-            <a:pPr fontAlgn="base">
-              <a:buFont typeface="Arial" panose="020B0604020202020204" pitchFamily="34" charset="0"/>
-              <a:buChar char="•"/>
-            </a:pPr>
-            <a:r>
-              <a:rPr lang="en-GB" b="0" i="0" dirty="0" smtClean="0">
-                <a:effectLst/>
-                <a:latin typeface="inherit"/>
-              </a:rPr>
-              <a:t>testCompile</a:t>
-            </a:r>
-            <a:r>
-              <a:rPr lang="en-GB" b="1" i="0" dirty="0" smtClean="0">
-                <a:effectLst/>
-                <a:latin typeface="inherit"/>
-              </a:rPr>
-              <a:t> –</a:t>
-            </a:r>
-            <a:r>
-              <a:rPr lang="en-GB" b="0" i="0" dirty="0" smtClean="0">
-                <a:effectLst/>
-                <a:latin typeface="inherit"/>
-              </a:rPr>
-              <a:t> compile test source files</a:t>
-            </a:r>
-            <a:endParaRPr lang="en-GB" b="0" i="0" dirty="0">
-              <a:effectLst/>
-              <a:latin typeface="inherit"/>
-            </a:endParaRPr>
-          </a:p>
-        </p:txBody>
-      </p:sp>
-      <p:sp>
-        <p:nvSpPr>
-          <p:cNvPr id="5" name="Rectangle 4"/>
-          <p:cNvSpPr/>
-          <p:nvPr/>
-        </p:nvSpPr>
-        <p:spPr>
-          <a:xfrm>
-            <a:off x="368300" y="3437235"/>
-            <a:ext cx="11137900" cy="646331"/>
-          </a:xfrm>
-          <a:prstGeom prst="rect">
-            <a:avLst/>
-          </a:prstGeom>
-        </p:spPr>
-        <p:txBody>
-          <a:bodyPr wrap="square">
-            <a:spAutoFit/>
-          </a:bodyPr>
-          <a:lstStyle/>
-          <a:p>
-            <a:pPr fontAlgn="base"/>
-            <a:r>
-              <a:rPr lang="en-GB" b="1" i="1" dirty="0" smtClean="0">
-                <a:solidFill>
-                  <a:srgbClr val="0000EE"/>
-                </a:solidFill>
-                <a:effectLst/>
-                <a:latin typeface="inherit"/>
-              </a:rPr>
-              <a:t>Step 10 – Create a feature file (LoginPage.feature) containing all the test scenarios under src/test/resources/features</a:t>
-            </a:r>
-            <a:endParaRPr lang="en-GB" b="1" i="0" dirty="0">
-              <a:solidFill>
-                <a:srgbClr val="0000EE"/>
-              </a:solidFill>
-              <a:effectLst/>
-              <a:latin typeface="Montserrat"/>
-            </a:endParaRPr>
-          </a:p>
-        </p:txBody>
-      </p:sp>
-      <p:pic>
-        <p:nvPicPr>
-          <p:cNvPr id="6" name="Picture 5"/>
-          <p:cNvPicPr>
-            <a:picLocks noChangeAspect="1"/>
-          </p:cNvPicPr>
-          <p:nvPr/>
-        </p:nvPicPr>
-        <p:blipFill>
-          <a:blip r:embed="rId2"/>
-          <a:stretch>
-            <a:fillRect/>
-          </a:stretch>
-        </p:blipFill>
-        <p:spPr>
-          <a:xfrm>
-            <a:off x="630237" y="4449762"/>
-            <a:ext cx="3743325" cy="1895475"/>
-          </a:xfrm>
-          <a:prstGeom prst="rect">
-            <a:avLst/>
-          </a:prstGeom>
-        </p:spPr>
-      </p:pic>
+                <a:solidFill>
+                  <a:srgbClr val="000000"/>
+                </a:solidFill>
+                <a:effectLst/>
+                <a:latin typeface="Open Sans"/>
+              </a:rPr>
+              <a:t> within the folder called runner.</a:t>
+            </a:r>
+            <a:endParaRPr lang="en-IN" dirty="0"/>
+          </a:p>
+        </p:txBody>
+      </p:sp>
     </p:spTree>
     <p:extLst>
       <p:ext uri="{BB962C8B-B14F-4D97-AF65-F5344CB8AC3E}">
-        <p14:creationId xmlns:p14="http://schemas.microsoft.com/office/powerpoint/2010/main" val="2048080702"/>
+        <p14:creationId xmlns:p14="http://schemas.microsoft.com/office/powerpoint/2010/main" val="1643599100"/>
       </p:ext>
     </p:extLst>
   </p:cSld>
@@ -4393,8 +4936,8 @@
         </p:nvSpPr>
         <p:spPr>
           <a:xfrm>
-            <a:off x="469900" y="264636"/>
-            <a:ext cx="11493500" cy="923330"/>
+            <a:off x="584200" y="667435"/>
+            <a:ext cx="11023600" cy="369332"/>
           </a:xfrm>
           <a:prstGeom prst="rect">
             <a:avLst/>
@@ -4406,98 +4949,21 @@
           </a:bodyPr>
           <a:lstStyle/>
           <a:p>
+            <a:pPr fontAlgn="base">
+              <a:buFont typeface="Arial" panose="020B0604020202020204" pitchFamily="34" charset="0"/>
+              <a:buChar char="•"/>
+            </a:pPr>
             <a:r>
               <a:rPr lang="en-GB" b="0" i="0" dirty="0" smtClean="0">
-                <a:solidFill>
-                  <a:srgbClr val="000000"/>
-                </a:solidFill>
-                <a:effectLst/>
-                <a:latin typeface="Open Sans"/>
-              </a:rPr>
-              <a:t>It is recommended to create a </a:t>
-            </a:r>
-            <a:r>
-              <a:rPr lang="en-GB" b="1" i="1" dirty="0" smtClean="0">
-                <a:solidFill>
-                  <a:srgbClr val="000000"/>
-                </a:solidFill>
                 <a:effectLst/>
                 <a:latin typeface="inherit"/>
               </a:rPr>
-              <a:t>features</a:t>
-            </a:r>
-            <a:r>
-              <a:rPr lang="en-GB" b="0" i="0" dirty="0" smtClean="0">
-                <a:solidFill>
-                  <a:srgbClr val="000000"/>
-                </a:solidFill>
-                <a:effectLst/>
-                <a:latin typeface="Open Sans"/>
-              </a:rPr>
-              <a:t> folder in </a:t>
-            </a:r>
-            <a:r>
-              <a:rPr lang="en-GB" b="1" i="1" dirty="0" smtClean="0">
-                <a:solidFill>
-                  <a:srgbClr val="000000"/>
-                </a:solidFill>
-                <a:effectLst/>
-                <a:latin typeface="inherit"/>
-              </a:rPr>
-              <a:t>src/test/resources directory</a:t>
-            </a:r>
-            <a:r>
-              <a:rPr lang="en-GB" b="0" i="0" dirty="0" smtClean="0">
-                <a:solidFill>
-                  <a:srgbClr val="000000"/>
-                </a:solidFill>
-                <a:effectLst/>
-                <a:latin typeface="Open Sans"/>
-              </a:rPr>
-              <a:t>. Create all the feature files in this </a:t>
-            </a:r>
-            <a:r>
-              <a:rPr lang="en-GB" b="1" i="1" dirty="0" smtClean="0">
-                <a:solidFill>
-                  <a:srgbClr val="000000"/>
-                </a:solidFill>
-                <a:effectLst/>
-                <a:latin typeface="inherit"/>
-              </a:rPr>
-              <a:t>features</a:t>
-            </a:r>
-            <a:r>
-              <a:rPr lang="en-GB" b="0" i="0" dirty="0" smtClean="0">
-                <a:solidFill>
-                  <a:srgbClr val="000000"/>
-                </a:solidFill>
-                <a:effectLst/>
-                <a:latin typeface="Open Sans"/>
-              </a:rPr>
-              <a:t> folder. </a:t>
-            </a:r>
-            <a:r>
-              <a:rPr lang="en-GB" b="1" i="0" u="none" strike="noStrike" dirty="0" smtClean="0">
-                <a:solidFill>
-                  <a:srgbClr val="A12410"/>
-                </a:solidFill>
-                <a:effectLst/>
-                <a:latin typeface="Open Sans"/>
-                <a:hlinkClick r:id="rId2"/>
-              </a:rPr>
-              <a:t>Feature</a:t>
-            </a:r>
-            <a:r>
-              <a:rPr lang="en-GB" b="0" i="0" dirty="0" smtClean="0">
-                <a:solidFill>
-                  <a:srgbClr val="000000"/>
-                </a:solidFill>
-                <a:effectLst/>
-                <a:latin typeface="Open Sans"/>
-              </a:rPr>
-              <a:t> file should be saved as an extension of .feature. The test scenarios in the Feature file are written in Gherkins language</a:t>
-            </a:r>
-            <a:endParaRPr lang="en-IN" dirty="0"/>
+              <a:t>AbstractTestNGCucumberTests – Runs each cucumber scenario found in the features as a separate test.</a:t>
+            </a:r>
+            <a:endParaRPr lang="en-GB" b="0" i="0" dirty="0">
+              <a:effectLst/>
+              <a:latin typeface="inherit"/>
+            </a:endParaRPr>
           </a:p>
         </p:txBody>
       </p:sp>
@@ -4509,8 +4975,8 @@
         </p:nvSpPr>
         <p:spPr>
           <a:xfrm>
-            <a:off x="469900" y="1721535"/>
-            <a:ext cx="10210800" cy="369332"/>
+            <a:off x="495300" y="1381036"/>
+            <a:ext cx="11531600" cy="923330"/>
           </a:xfrm>
           <a:prstGeom prst="rect">
             <a:avLst/>
@@ -4531,9 +4997,9 @@
                 <a:effectLst/>
                 <a:latin typeface="inherit"/>
               </a:rPr>
-              <a:t>Step 11 – Create the step definition class in src/test/java</a:t>
-            </a:r>
-            <a:endParaRPr lang="en-GB" b="1" i="0" dirty="0">
+              <a:t>Step 13 – Test Execution through TestNG</a:t>
+            </a:r>
+            <a:endParaRPr lang="en-GB" b="1" i="0" dirty="0" smtClean="0">
               <a:solidFill>
                 <a:srgbClr val="0000EE"/>
               </a:solidFill>
@@ -4541,8 +5007,77 @@
               <a:latin typeface="Montserrat"/>
             </a:endParaRPr>
           </a:p>
-        </p:txBody>
-      </p:sp>
+          <a:p>
+            <a:pPr fontAlgn="base"/>
+            <a:r>
+              <a:rPr lang="en-GB" b="0" i="0" dirty="0" smtClean="0">
+                <a:effectLst/>
+                <a:latin typeface="Open Sans"/>
+              </a:rPr>
+              <a:t>Go to the Runner class and right-click </a:t>
+            </a:r>
+            <a:r>
+              <a:rPr lang="en-GB" b="1" i="1" dirty="0" smtClean="0">
+                <a:effectLst/>
+                <a:latin typeface="inherit"/>
+              </a:rPr>
+              <a:t>Run As TestNG Test</a:t>
+            </a:r>
+            <a:r>
+              <a:rPr lang="en-GB" b="0" i="0" dirty="0" smtClean="0">
+                <a:effectLst/>
+                <a:latin typeface="Open Sans"/>
+              </a:rPr>
+              <a:t>. The tests will run as TestNG tests. This is for Eclipse.</a:t>
+            </a:r>
+            <a:endParaRPr lang="en-GB" b="0" i="0" dirty="0">
+              <a:effectLst/>
+              <a:latin typeface="Open Sans"/>
+            </a:endParaRPr>
+          </a:p>
+        </p:txBody>
+      </p:sp>
+      <p:pic>
+        <p:nvPicPr>
+          <p:cNvPr id="13314" name="Picture 2" descr="https://qaautomationexpert.files.wordpress.com/2021/06/image-28.png?w=477"/>
+          <p:cNvPicPr>
+            <a:picLocks noChangeAspect="1" noChangeArrowheads="1"/>
+          </p:cNvPicPr>
+          <p:nvPr/>
+        </p:nvPicPr>
+        <p:blipFill>
+          <a:blip r:embed="rId2">
+            <a:extLst>
+              <a:ext uri="{28A0092B-C50C-407E-A947-70E740481C1C}">
+                <a14:useLocalDpi xmlns:a14="http://schemas.microsoft.com/office/drawing/2010/main" val="0"/>
+              </a:ext>
+            </a:extLst>
+          </a:blip>
+          <a:srcRect/>
+          <a:stretch>
+            <a:fillRect/>
+          </a:stretch>
+        </p:blipFill>
+        <p:spPr bwMode="auto">
+          <a:xfrm>
+            <a:off x="495300" y="2476500"/>
+            <a:ext cx="4543425" cy="2314575"/>
+          </a:xfrm>
+          <a:prstGeom prst="rect">
+            <a:avLst/>
+          </a:prstGeom>
+          <a:noFill/>
+          <a:extLst>
+            <a:ext uri="{909E8E84-426E-40DD-AFC4-6F175D3DCCD1}">
+              <a14:hiddenFill xmlns:a14="http://schemas.microsoft.com/office/drawing/2010/main">
+                <a:solidFill>
+                  <a:srgbClr val="FFFFFF"/>
+                </a:solidFill>
+              </a14:hiddenFill>
+            </a:ext>
+          </a:extLst>
+        </p:spPr>
+      </p:pic>
       <p:sp>
         <p:nvSpPr>
           <p:cNvPr id="4" name="Rectangle 3"/>
@@ -4551,8 +5086,8 @@
         </p:nvSpPr>
         <p:spPr>
           <a:xfrm>
-            <a:off x="469900" y="2398236"/>
-            <a:ext cx="11379200" cy="923330"/>
+            <a:off x="165100" y="5076736"/>
+            <a:ext cx="9271000" cy="923330"/>
           </a:xfrm>
           <a:prstGeom prst="rect">
             <a:avLst/>
@@ -4564,224 +5099,41 @@
           </a:bodyPr>
           <a:lstStyle/>
           <a:p>
+            <a:pPr fontAlgn="base"/>
             <a:r>
               <a:rPr lang="en-GB" b="0" i="0" dirty="0" smtClean="0">
-                <a:solidFill>
-                  <a:srgbClr val="000000"/>
-                </a:solidFill>
                 <a:effectLst/>
                 <a:latin typeface="Open Sans"/>
               </a:rPr>
-              <a:t>Create the step definition class corresponding to the feature file to test the scenarios in the</a:t>
+              <a:t>In case you are using IntelliJ, then select </a:t>
             </a:r>
             <a:r>
               <a:rPr lang="en-GB" b="1" i="1" dirty="0" smtClean="0">
-                <a:solidFill>
-                  <a:srgbClr val="000000"/>
-                </a:solidFill>
                 <a:effectLst/>
                 <a:latin typeface="inherit"/>
               </a:rPr>
-              <a:t> src/test/java</a:t>
-            </a:r>
-            <a:r>
-              <a:rPr lang="en-GB" b="0" i="0" dirty="0" smtClean="0">
-                <a:solidFill>
-                  <a:srgbClr val="000000"/>
-                </a:solidFill>
-                <a:effectLst/>
-                <a:latin typeface="Open Sans"/>
-              </a:rPr>
-              <a:t> directory. The StepDefinition files should be created in this </a:t>
-            </a:r>
-            <a:r>
-              <a:rPr lang="en-GB" b="1" i="1" dirty="0" smtClean="0">
-                <a:solidFill>
-                  <a:srgbClr val="000000"/>
-                </a:solidFill>
+              <a:t>“Run CucumberRunner Tests</a:t>
+            </a:r>
+            <a:r>
+              <a:rPr lang="en-GB" b="0" i="1" dirty="0" smtClean="0">
                 <a:effectLst/>
                 <a:latin typeface="inherit"/>
               </a:rPr>
-              <a:t>definitions</a:t>
-            </a:r>
-            <a:r>
-              <a:rPr lang="en-GB" b="0" i="1" dirty="0" smtClean="0">
-                <a:solidFill>
-                  <a:srgbClr val="000000"/>
-                </a:solidFill>
-                <a:effectLst/>
-                <a:latin typeface="Open Sans"/>
-              </a:rPr>
-              <a:t> </a:t>
-            </a:r>
-            <a:r>
-              <a:rPr lang="en-GB" b="0" i="0" dirty="0" smtClean="0">
-                <a:solidFill>
-                  <a:srgbClr val="000000"/>
-                </a:solidFill>
-                <a:effectLst/>
-                <a:latin typeface="Open Sans"/>
-              </a:rPr>
-              <a:t>directory within the folder called definitions.</a:t>
-            </a:r>
-            <a:endParaRPr lang="en-IN" dirty="0"/>
-          </a:p>
-        </p:txBody>
-      </p:sp>
-      <p:sp>
-        <p:nvSpPr>
-          <p:cNvPr id="5" name="Rectangle 4"/>
-          <p:cNvSpPr/>
-          <p:nvPr/>
-        </p:nvSpPr>
-        <p:spPr>
-          <a:xfrm>
-            <a:off x="469900" y="3885505"/>
-            <a:ext cx="8902700" cy="369332"/>
-          </a:xfrm>
-          <a:prstGeom prst="rect">
-            <a:avLst/>
-          </a:prstGeom>
-        </p:spPr>
-        <p:txBody>
-          <a:bodyPr wrap="square">
-            <a:spAutoFit/>
-          </a:bodyPr>
-          <a:lstStyle/>
-          <a:p>
-            <a:pPr fontAlgn="base"/>
-            <a:r>
-              <a:rPr lang="en-GB" b="1" i="1" dirty="0" smtClean="0">
-                <a:solidFill>
-                  <a:srgbClr val="0000EE"/>
-                </a:solidFill>
-                <a:effectLst/>
-                <a:latin typeface="inherit"/>
-              </a:rPr>
-              <a:t>Step 12 – Create a TestNG Cucumber Runner class in src/test/java</a:t>
-            </a:r>
-            <a:endParaRPr lang="en-GB" b="1" i="0" dirty="0">
-              <a:solidFill>
-                <a:srgbClr val="0000EE"/>
-              </a:solidFill>
+              <a:t>“.</a:t>
+            </a:r>
+            <a:endParaRPr lang="en-GB" b="0" i="0" dirty="0" smtClean="0">
               <a:effectLst/>
-              <a:latin typeface="Montserrat"/>
+              <a:latin typeface="Open Sans"/>
             </a:endParaRPr>
           </a:p>
-        </p:txBody>
-      </p:sp>
-      <p:sp>
-        <p:nvSpPr>
-          <p:cNvPr id="6" name="Rectangle 5"/>
-          <p:cNvSpPr/>
-          <p:nvPr/>
-        </p:nvSpPr>
-        <p:spPr>
-          <a:xfrm>
-            <a:off x="120650" y="4620736"/>
-            <a:ext cx="11728450" cy="923330"/>
-          </a:xfrm>
-          <a:prstGeom prst="rect">
-            <a:avLst/>
-          </a:prstGeom>
-        </p:spPr>
-        <p:txBody>
-          <a:bodyPr wrap="square">
-            <a:spAutoFit/>
-          </a:bodyPr>
-          <a:lstStyle/>
-          <a:p>
-            <a:r>
-              <a:rPr lang="en-GB" b="0" i="0" dirty="0" smtClean="0">
-                <a:solidFill>
-                  <a:srgbClr val="000000"/>
-                </a:solidFill>
-                <a:effectLst/>
-                <a:latin typeface="Open Sans"/>
-              </a:rPr>
-              <a:t>We need to create a class called </a:t>
-            </a:r>
-            <a:r>
-              <a:rPr lang="en-GB" b="1" i="1" u="none" strike="noStrike" dirty="0" smtClean="0">
-                <a:solidFill>
-                  <a:srgbClr val="A12410"/>
-                </a:solidFill>
-                <a:effectLst/>
-                <a:latin typeface="inherit"/>
-                <a:hlinkClick r:id="rId3"/>
-              </a:rPr>
-              <a:t>Runner </a:t>
-            </a:r>
-            <a:r>
-              <a:rPr lang="en-GB" b="0" i="0" dirty="0" smtClean="0">
-                <a:solidFill>
-                  <a:srgbClr val="000000"/>
-                </a:solidFill>
-                <a:effectLst/>
-                <a:latin typeface="Open Sans"/>
-              </a:rPr>
-              <a:t>class to run the tests. This class will use the TestNG annotation </a:t>
-            </a:r>
-            <a:r>
-              <a:rPr lang="en-GB" b="1" i="0" dirty="0" smtClean="0">
-                <a:solidFill>
-                  <a:srgbClr val="000000"/>
-                </a:solidFill>
-                <a:effectLst/>
-                <a:latin typeface="Open Sans"/>
-              </a:rPr>
-              <a:t>@RunWith(),</a:t>
-            </a:r>
-            <a:r>
-              <a:rPr lang="en-GB" b="0" i="0" dirty="0" smtClean="0">
-                <a:solidFill>
-                  <a:srgbClr val="000000"/>
-                </a:solidFill>
-                <a:effectLst/>
-                <a:latin typeface="Open Sans"/>
-              </a:rPr>
-              <a:t> which tells TestNG what is the test runner class. </a:t>
-            </a:r>
-            <a:r>
-              <a:rPr lang="en-GB" b="1" i="1" dirty="0" smtClean="0">
-                <a:solidFill>
-                  <a:srgbClr val="000000"/>
-                </a:solidFill>
-                <a:effectLst/>
-                <a:latin typeface="inherit"/>
-              </a:rPr>
-              <a:t>TestRunner </a:t>
-            </a:r>
-            <a:r>
-              <a:rPr lang="en-GB" b="0" i="0" dirty="0" smtClean="0">
-                <a:solidFill>
-                  <a:srgbClr val="000000"/>
-                </a:solidFill>
-                <a:effectLst/>
-                <a:latin typeface="Open Sans"/>
-              </a:rPr>
-              <a:t>should be created under </a:t>
-            </a:r>
-            <a:r>
-              <a:rPr lang="en-GB" b="1" i="1" dirty="0" smtClean="0">
-                <a:solidFill>
-                  <a:srgbClr val="000000"/>
-                </a:solidFill>
-                <a:effectLst/>
-                <a:latin typeface="inherit"/>
-              </a:rPr>
-              <a:t>src/test/java</a:t>
-            </a:r>
-            <a:r>
-              <a:rPr lang="en-GB" b="0" i="0" dirty="0" smtClean="0">
-                <a:solidFill>
-                  <a:srgbClr val="000000"/>
-                </a:solidFill>
-                <a:effectLst/>
-                <a:latin typeface="Open Sans"/>
-              </a:rPr>
-              <a:t> within the folder called runner.</a:t>
-            </a:r>
+          <a:p>
+            <a:r>
+              <a:rPr lang="en-GB" dirty="0" smtClean="0"/>
+              <a:t/>
+            </a:r>
+            <a:br>
+              <a:rPr lang="en-GB" dirty="0" smtClean="0"/>
+            </a:br>
             <a:endParaRPr lang="en-IN" dirty="0"/>
           </a:p>
         </p:txBody>
@@ -4789,7 +5141,7 @@
     </p:spTree>
     <p:extLst>
       <p:ext uri="{BB962C8B-B14F-4D97-AF65-F5344CB8AC3E}">
-        <p14:creationId xmlns:p14="http://schemas.microsoft.com/office/powerpoint/2010/main" val="1643599100"/>
+        <p14:creationId xmlns:p14="http://schemas.microsoft.com/office/powerpoint/2010/main" val="3245984051"/>
       </p:ext>
     </p:extLst>
   </p:cSld>
@@ -4824,123 +5176,33 @@
         </p:nvSpPr>
         <p:spPr>
           <a:xfrm>
-            <a:off x="2536829" y="526534"/>
-            <a:ext cx="5822941" cy="369332"/>
+            <a:off x="381000" y="251748"/>
+            <a:ext cx="8699500" cy="6186309"/>
           </a:xfrm>
           <a:prstGeom prst="rect">
             <a:avLst/>
           </a:prstGeom>
         </p:spPr>
         <p:txBody>
-          <a:bodyPr wrap="none">
-            <a:spAutoFit/>
-          </a:bodyPr>
-          <a:lstStyle/>
-          <a:p>
-            <a:pPr fontAlgn="base"/>
-            <a:r>
-              <a:rPr lang="en-GB" b="1" i="0" dirty="0" smtClean="0">
-                <a:solidFill>
-                  <a:srgbClr val="424242"/>
-                </a:solidFill>
-                <a:effectLst/>
-                <a:latin typeface="Montserrat"/>
-              </a:rPr>
-              <a:t>Integration of Cucumber with Selenium and TestNG</a:t>
-            </a:r>
-            <a:endParaRPr lang="en-GB" b="1" i="0" dirty="0">
-              <a:solidFill>
-                <a:srgbClr val="424242"/>
-              </a:solidFill>
-              <a:effectLst/>
-              <a:latin typeface="Montserrat"/>
-            </a:endParaRPr>
-          </a:p>
-        </p:txBody>
-      </p:sp>
-      <p:sp>
-        <p:nvSpPr>
-          <p:cNvPr id="3" name="Rectangle 2"/>
-          <p:cNvSpPr/>
-          <p:nvPr/>
-        </p:nvSpPr>
-        <p:spPr>
-          <a:xfrm>
-            <a:off x="381000" y="1256437"/>
-            <a:ext cx="11811000" cy="923330"/>
-          </a:xfrm>
-          <a:prstGeom prst="rect">
-            <a:avLst/>
-          </a:prstGeom>
-        </p:spPr>
-        <p:txBody>
           <a:bodyPr wrap="square">
             <a:spAutoFit/>
           </a:bodyPr>
           <a:lstStyle/>
           <a:p>
-            <a:r>
-              <a:rPr lang="en-GB" b="0" i="0" smtClean="0">
-                <a:solidFill>
-                  <a:srgbClr val="000000"/>
-                </a:solidFill>
-                <a:effectLst/>
-                <a:latin typeface="Open Sans"/>
-              </a:rPr>
-              <a:t>Cucumber is a BDD Tool, and Selenium WebDriver is used for the automation of web applications. </a:t>
-            </a:r>
-            <a:r>
-              <a:rPr lang="en-GB" b="0" i="0" dirty="0" smtClean="0">
-                <a:solidFill>
-                  <a:srgbClr val="000000"/>
-                </a:solidFill>
-                <a:effectLst/>
-                <a:latin typeface="Open Sans"/>
-              </a:rPr>
-              <a:t>Imagine we need to build a test framework that can be used by businesses to understand the test scenarios and as well can test the web application. This can be achieved by integrating Cucumber with Selenium</a:t>
-            </a:r>
-            <a:endParaRPr lang="en-IN"/>
-          </a:p>
-        </p:txBody>
-      </p:sp>
-      <p:sp>
-        <p:nvSpPr>
-          <p:cNvPr id="5" name="Rectangle 4"/>
-          <p:cNvSpPr/>
-          <p:nvPr/>
-        </p:nvSpPr>
-        <p:spPr>
-          <a:xfrm>
-            <a:off x="381000" y="2540338"/>
-            <a:ext cx="6096000" cy="2585323"/>
-          </a:xfrm>
-          <a:prstGeom prst="rect">
-            <a:avLst/>
-          </a:prstGeom>
-        </p:spPr>
-        <p:txBody>
-          <a:bodyPr>
-            <a:spAutoFit/>
-          </a:bodyPr>
-          <a:lstStyle/>
-          <a:p>
             <a:pPr fontAlgn="base"/>
             <a:r>
-              <a:rPr lang="en-IN" b="1" i="1" dirty="0" smtClean="0">
-                <a:solidFill>
-                  <a:srgbClr val="6E340D"/>
-                </a:solidFill>
+              <a:rPr lang="en-GB" b="1" i="1" dirty="0" smtClean="0">
                 <a:effectLst/>
                 <a:latin typeface="inherit"/>
               </a:rPr>
-              <a:t>This framework consists of:-</a:t>
-            </a:r>
-            <a:endParaRPr lang="en-IN" b="1" i="0" dirty="0" smtClean="0">
-              <a:solidFill>
-                <a:srgbClr val="6E340D"/>
-              </a:solidFill>
+              <a:t>Table of Contents:</a:t>
+            </a:r>
+          </a:p>
+          <a:p>
+            <a:pPr fontAlgn="base"/>
+            <a:endParaRPr lang="en-GB" b="0" i="0" dirty="0" smtClean="0">
               <a:effectLst/>
-              <a:latin typeface="Montserrat"/>
+              <a:latin typeface="Open Sans"/>
             </a:endParaRPr>
           </a:p>
           <a:p>
@@ -4949,94 +5211,384 @@
               <a:buAutoNum type="arabicPeriod"/>
             </a:pPr>
             <a:r>
-              <a:rPr lang="en-IN" b="0" i="0" dirty="0" smtClean="0">
+              <a:rPr lang="en-GB" b="1" i="1" u="none" strike="noStrike" dirty="0" smtClean="0">
+                <a:solidFill>
+                  <a:srgbClr val="A12410"/>
+                </a:solidFill>
                 <a:effectLst/>
                 <a:latin typeface="inherit"/>
-              </a:rPr>
-              <a:t>Cucumber Java- 7.6.0</a:t>
-            </a:r>
-          </a:p>
-          <a:p>
-            <a:pPr fontAlgn="base">
+                <a:hlinkClick r:id="rId2"/>
+              </a:rPr>
+              <a:t>Implementation Steps</a:t>
+            </a:r>
+            <a:endParaRPr lang="en-GB" b="0" i="0" dirty="0" smtClean="0">
+              <a:effectLst/>
+              <a:latin typeface="inherit"/>
+            </a:endParaRPr>
+          </a:p>
+          <a:p>
+            <a:pPr marL="742950" lvl="1" indent="-285750" fontAlgn="base">
               <a:buFont typeface="+mj-lt"/>
               <a:buAutoNum type="arabicPeriod"/>
             </a:pPr>
             <a:r>
-              <a:rPr lang="en-IN" b="0" i="0" dirty="0" smtClean="0">
+              <a:rPr lang="en-GB" b="1" i="1" u="none" strike="noStrike" dirty="0" smtClean="0">
+                <a:solidFill>
+                  <a:srgbClr val="A12410"/>
+                </a:solidFill>
                 <a:effectLst/>
                 <a:latin typeface="inherit"/>
-              </a:rPr>
-              <a:t>Cucumber TestNG – 7.6.0</a:t>
-            </a:r>
-          </a:p>
-          <a:p>
-            <a:pPr fontAlgn="base">
+                <a:hlinkClick r:id="rId3"/>
+              </a:rPr>
+              <a:t>Download and Install Java</a:t>
+            </a:r>
+            <a:endParaRPr lang="en-GB" b="0" i="0" dirty="0" smtClean="0">
+              <a:effectLst/>
+              <a:latin typeface="inherit"/>
+            </a:endParaRPr>
+          </a:p>
+          <a:p>
+            <a:pPr marL="742950" lvl="1" indent="-285750" fontAlgn="base">
               <a:buFont typeface="+mj-lt"/>
               <a:buAutoNum type="arabicPeriod"/>
             </a:pPr>
             <a:r>
-              <a:rPr lang="en-IN" b="0" i="0" dirty="0" smtClean="0">
+              <a:rPr lang="en-GB" b="1" i="1" u="none" strike="noStrike" dirty="0" smtClean="0">
+                <a:solidFill>
+                  <a:srgbClr val="A12410"/>
+                </a:solidFill>
                 <a:effectLst/>
                 <a:latin typeface="inherit"/>
-              </a:rPr>
-              <a:t>Java 11</a:t>
-            </a:r>
-          </a:p>
-          <a:p>
-            <a:pPr fontAlgn="base">
+                <a:hlinkClick r:id="rId4"/>
+              </a:rPr>
+              <a:t>Download and setup Eclipse IDE on the system</a:t>
+            </a:r>
+            <a:endParaRPr lang="en-GB" b="0" i="0" dirty="0" smtClean="0">
+              <a:effectLst/>
+              <a:latin typeface="inherit"/>
+            </a:endParaRPr>
+          </a:p>
+          <a:p>
+            <a:pPr marL="742950" lvl="1" indent="-285750" fontAlgn="base">
               <a:buFont typeface="+mj-lt"/>
               <a:buAutoNum type="arabicPeriod"/>
             </a:pPr>
             <a:r>
-              <a:rPr lang="en-IN" b="0" i="0" dirty="0" smtClean="0">
+              <a:rPr lang="en-GB" b="1" i="1" u="none" strike="noStrike" dirty="0" smtClean="0">
+                <a:solidFill>
+                  <a:srgbClr val="A12410"/>
+                </a:solidFill>
                 <a:effectLst/>
                 <a:latin typeface="inherit"/>
-              </a:rPr>
-              <a:t>TestNG – 7.4.0</a:t>
-            </a:r>
-          </a:p>
-          <a:p>
-            <a:pPr fontAlgn="base">
+                <a:hlinkClick r:id="rId5"/>
+              </a:rPr>
+              <a:t>Setup Maven</a:t>
+            </a:r>
+            <a:endParaRPr lang="en-GB" b="0" i="0" dirty="0" smtClean="0">
+              <a:effectLst/>
+              <a:latin typeface="inherit"/>
+            </a:endParaRPr>
+          </a:p>
+          <a:p>
+            <a:pPr marL="742950" lvl="1" indent="-285750" fontAlgn="base">
               <a:buFont typeface="+mj-lt"/>
               <a:buAutoNum type="arabicPeriod"/>
             </a:pPr>
             <a:r>
-              <a:rPr lang="en-IN" b="0" i="0" dirty="0" smtClean="0">
+              <a:rPr lang="en-GB" b="1" i="1" u="none" strike="noStrike" dirty="0" smtClean="0">
+                <a:solidFill>
+                  <a:srgbClr val="A12410"/>
+                </a:solidFill>
                 <a:effectLst/>
                 <a:latin typeface="inherit"/>
-              </a:rPr>
-              <a:t>Maven – 3.8.6</a:t>
-            </a:r>
-          </a:p>
-          <a:p>
-            <a:pPr fontAlgn="base">
+                <a:hlinkClick r:id="rId6"/>
+              </a:rPr>
+              <a:t>Install Cucumber Eclipse Plugin (Only for Eclipse IDE)</a:t>
+            </a:r>
+            <a:endParaRPr lang="en-GB" b="0" i="0" dirty="0" smtClean="0">
+              <a:effectLst/>
+              <a:latin typeface="inherit"/>
+            </a:endParaRPr>
+          </a:p>
+          <a:p>
+            <a:pPr marL="742950" lvl="1" indent="-285750" fontAlgn="base">
               <a:buFont typeface="+mj-lt"/>
               <a:buAutoNum type="arabicPeriod"/>
             </a:pPr>
             <a:r>
-              <a:rPr lang="en-IN" b="0" i="0" dirty="0" smtClean="0">
+              <a:rPr lang="en-GB" b="1" i="1" u="none" strike="noStrike" dirty="0" smtClean="0">
+                <a:solidFill>
+                  <a:srgbClr val="A12410"/>
+                </a:solidFill>
                 <a:effectLst/>
                 <a:latin typeface="inherit"/>
-              </a:rPr>
-              <a:t>Selenium – 4.3.0</a:t>
-            </a:r>
-          </a:p>
-          <a:p>
-            <a:r>
-              <a:rPr lang="en-IN" dirty="0" smtClean="0"/>
-              <a:t/>
-            </a:r>
-            <a:br>
-              <a:rPr lang="en-IN" dirty="0" smtClean="0"/>
-            </a:br>
-            <a:endParaRPr lang="en-IN" dirty="0"/>
+                <a:hlinkClick r:id="rId7"/>
+              </a:rPr>
+              <a:t>Download and install TestNG plugin</a:t>
+            </a:r>
+            <a:endParaRPr lang="en-GB" b="0" i="0" dirty="0" smtClean="0">
+              <a:effectLst/>
+              <a:latin typeface="inherit"/>
+            </a:endParaRPr>
+          </a:p>
+          <a:p>
+            <a:pPr marL="742950" lvl="1" indent="-285750" fontAlgn="base">
+              <a:buFont typeface="+mj-lt"/>
+              <a:buAutoNum type="arabicPeriod"/>
+            </a:pPr>
+            <a:r>
+              <a:rPr lang="en-GB" b="1" i="1" u="none" strike="noStrike" dirty="0" smtClean="0">
+                <a:solidFill>
+                  <a:srgbClr val="A12410"/>
+                </a:solidFill>
+                <a:effectLst/>
+                <a:latin typeface="inherit"/>
+                <a:hlinkClick r:id="rId8"/>
+              </a:rPr>
+              <a:t>Create a new Maven Project</a:t>
+            </a:r>
+            <a:endParaRPr lang="en-GB" b="0" i="0" dirty="0" smtClean="0">
+              <a:effectLst/>
+              <a:latin typeface="inherit"/>
+            </a:endParaRPr>
+          </a:p>
+          <a:p>
+            <a:pPr marL="742950" lvl="1" indent="-285750" fontAlgn="base">
+              <a:buFont typeface="+mj-lt"/>
+              <a:buAutoNum type="arabicPeriod"/>
+            </a:pPr>
+            <a:r>
+              <a:rPr lang="en-GB" b="1" i="1" u="none" strike="noStrike" dirty="0" smtClean="0">
+                <a:solidFill>
+                  <a:srgbClr val="A12410"/>
+                </a:solidFill>
+                <a:effectLst/>
+                <a:latin typeface="inherit"/>
+                <a:hlinkClick r:id="rId9"/>
+              </a:rPr>
+              <a:t>Create source folder src/test/resources to create test scenarios in Feature file</a:t>
+            </a:r>
+            <a:endParaRPr lang="en-GB" b="0" i="0" dirty="0" smtClean="0">
+              <a:effectLst/>
+              <a:latin typeface="inherit"/>
+            </a:endParaRPr>
+          </a:p>
+          <a:p>
+            <a:pPr marL="742950" lvl="1" indent="-285750" fontAlgn="base">
+              <a:buFont typeface="+mj-lt"/>
+              <a:buAutoNum type="arabicPeriod"/>
+            </a:pPr>
+            <a:r>
+              <a:rPr lang="en-GB" b="1" i="1" u="none" strike="noStrike" dirty="0" smtClean="0">
+                <a:solidFill>
+                  <a:srgbClr val="A12410"/>
+                </a:solidFill>
+                <a:effectLst/>
+                <a:latin typeface="inherit"/>
+                <a:hlinkClick r:id="rId10"/>
+              </a:rPr>
+              <a:t>Add Selenium, TestNG, and Cucumber dependencies to the project</a:t>
+            </a:r>
+            <a:endParaRPr lang="en-GB" b="0" i="0" dirty="0" smtClean="0">
+              <a:effectLst/>
+              <a:latin typeface="inherit"/>
+            </a:endParaRPr>
+          </a:p>
+          <a:p>
+            <a:pPr marL="742950" lvl="1" indent="-285750" fontAlgn="base">
+              <a:buFont typeface="+mj-lt"/>
+              <a:buAutoNum type="arabicPeriod"/>
+            </a:pPr>
+            <a:r>
+              <a:rPr lang="en-GB" b="1" i="1" u="none" strike="noStrike" dirty="0" smtClean="0">
+                <a:solidFill>
+                  <a:srgbClr val="A12410"/>
+                </a:solidFill>
+                <a:effectLst/>
+                <a:latin typeface="inherit"/>
+                <a:hlinkClick r:id="rId11"/>
+              </a:rPr>
+              <a:t>Add Maven Compiler Plugin and SureFire Plugin</a:t>
+            </a:r>
+            <a:endParaRPr lang="en-GB" b="0" i="0" dirty="0" smtClean="0">
+              <a:effectLst/>
+              <a:latin typeface="inherit"/>
+            </a:endParaRPr>
+          </a:p>
+          <a:p>
+            <a:pPr marL="742950" lvl="1" indent="-285750" fontAlgn="base">
+              <a:buFont typeface="+mj-lt"/>
+              <a:buAutoNum type="arabicPeriod"/>
+            </a:pPr>
+            <a:r>
+              <a:rPr lang="en-GB" b="1" i="1" u="none" strike="noStrike" dirty="0" smtClean="0">
+                <a:solidFill>
+                  <a:srgbClr val="A12410"/>
+                </a:solidFill>
+                <a:effectLst/>
+                <a:latin typeface="inherit"/>
+                <a:hlinkClick r:id="rId12"/>
+              </a:rPr>
+              <a:t>Create a feature file (LoginPage.feature) containing all the test scenarios under src/test/resources/features</a:t>
+            </a:r>
+            <a:endParaRPr lang="en-GB" b="0" i="0" dirty="0" smtClean="0">
+              <a:effectLst/>
+              <a:latin typeface="inherit"/>
+            </a:endParaRPr>
+          </a:p>
+          <a:p>
+            <a:pPr marL="742950" lvl="1" indent="-285750" fontAlgn="base">
+              <a:buFont typeface="+mj-lt"/>
+              <a:buAutoNum type="arabicPeriod"/>
+            </a:pPr>
+            <a:r>
+              <a:rPr lang="en-GB" b="1" i="1" u="none" strike="noStrike" dirty="0" smtClean="0">
+                <a:solidFill>
+                  <a:srgbClr val="A12410"/>
+                </a:solidFill>
+                <a:effectLst/>
+                <a:latin typeface="inherit"/>
+                <a:hlinkClick r:id="rId13"/>
+              </a:rPr>
+              <a:t>Create the step definition class in src/test/java</a:t>
+            </a:r>
+            <a:endParaRPr lang="en-GB" b="0" i="0" dirty="0" smtClean="0">
+              <a:effectLst/>
+              <a:latin typeface="inherit"/>
+            </a:endParaRPr>
+          </a:p>
+          <a:p>
+            <a:pPr marL="742950" lvl="1" indent="-285750" fontAlgn="base">
+              <a:buFont typeface="+mj-lt"/>
+              <a:buAutoNum type="arabicPeriod"/>
+            </a:pPr>
+            <a:r>
+              <a:rPr lang="en-GB" b="1" i="1" u="none" strike="noStrike" dirty="0" smtClean="0">
+                <a:solidFill>
+                  <a:srgbClr val="A12410"/>
+                </a:solidFill>
+                <a:effectLst/>
+                <a:latin typeface="inherit"/>
+                <a:hlinkClick r:id="rId14"/>
+              </a:rPr>
+              <a:t>Create a TestNG Cucumber Runner class in src/test/java</a:t>
+            </a:r>
+            <a:endParaRPr lang="en-GB" b="0" i="0" dirty="0" smtClean="0">
+              <a:effectLst/>
+              <a:latin typeface="inherit"/>
+            </a:endParaRPr>
+          </a:p>
+          <a:p>
+            <a:pPr marL="742950" lvl="1" indent="-285750" fontAlgn="base">
+              <a:buFont typeface="+mj-lt"/>
+              <a:buAutoNum type="arabicPeriod"/>
+            </a:pPr>
+            <a:r>
+              <a:rPr lang="en-GB" b="1" i="1" u="none" strike="noStrike" dirty="0" smtClean="0">
+                <a:solidFill>
+                  <a:srgbClr val="A12410"/>
+                </a:solidFill>
+                <a:effectLst/>
+                <a:latin typeface="inherit"/>
+                <a:hlinkClick r:id="rId15"/>
+              </a:rPr>
+              <a:t>Test Execution through TestNG</a:t>
+            </a:r>
+            <a:endParaRPr lang="en-GB" b="0" i="0" dirty="0" smtClean="0">
+              <a:effectLst/>
+              <a:latin typeface="inherit"/>
+            </a:endParaRPr>
+          </a:p>
+          <a:p>
+            <a:pPr marL="742950" lvl="1" indent="-285750" fontAlgn="base">
+              <a:buFont typeface="+mj-lt"/>
+              <a:buAutoNum type="arabicPeriod"/>
+            </a:pPr>
+            <a:r>
+              <a:rPr lang="en-GB" b="1" i="1" u="none" strike="noStrike" dirty="0" smtClean="0">
+                <a:solidFill>
+                  <a:srgbClr val="A12410"/>
+                </a:solidFill>
+                <a:effectLst/>
+                <a:latin typeface="inherit"/>
+                <a:hlinkClick r:id="rId16"/>
+              </a:rPr>
+              <a:t>Run the tests from TestNG.xml</a:t>
+            </a:r>
+            <a:endParaRPr lang="en-GB" b="0" i="0" dirty="0" smtClean="0">
+              <a:effectLst/>
+              <a:latin typeface="inherit"/>
+            </a:endParaRPr>
+          </a:p>
+          <a:p>
+            <a:pPr marL="742950" lvl="1" indent="-285750" fontAlgn="base">
+              <a:buFont typeface="+mj-lt"/>
+              <a:buAutoNum type="arabicPeriod"/>
+            </a:pPr>
+            <a:r>
+              <a:rPr lang="en-GB" b="1" i="1" u="none" strike="noStrike" dirty="0" smtClean="0">
+                <a:solidFill>
+                  <a:srgbClr val="A12410"/>
+                </a:solidFill>
+                <a:effectLst/>
+                <a:latin typeface="inherit"/>
+                <a:hlinkClick r:id="rId17"/>
+              </a:rPr>
+              <a:t>Run the tests from Command Line</a:t>
+            </a:r>
+            <a:endParaRPr lang="en-GB" b="0" i="0" dirty="0" smtClean="0">
+              <a:effectLst/>
+              <a:latin typeface="inherit"/>
+            </a:endParaRPr>
+          </a:p>
+          <a:p>
+            <a:pPr marL="742950" lvl="1" indent="-285750" fontAlgn="base">
+              <a:buFont typeface="+mj-lt"/>
+              <a:buAutoNum type="arabicPeriod"/>
+            </a:pPr>
+            <a:r>
+              <a:rPr lang="en-GB" b="1" i="1" u="none" strike="noStrike" dirty="0" smtClean="0">
+                <a:solidFill>
+                  <a:srgbClr val="A12410"/>
+                </a:solidFill>
+                <a:effectLst/>
+                <a:latin typeface="inherit"/>
+                <a:hlinkClick r:id="rId18"/>
+              </a:rPr>
+              <a:t>Cucumber Report Generation</a:t>
+            </a:r>
+            <a:endParaRPr lang="en-GB" b="0" i="0" dirty="0" smtClean="0">
+              <a:effectLst/>
+              <a:latin typeface="inherit"/>
+            </a:endParaRPr>
+          </a:p>
+          <a:p>
+            <a:pPr marL="742950" lvl="1" indent="-285750" fontAlgn="base">
+              <a:buFont typeface="+mj-lt"/>
+              <a:buAutoNum type="arabicPeriod"/>
+            </a:pPr>
+            <a:r>
+              <a:rPr lang="en-GB" b="1" i="1" u="none" strike="noStrike" dirty="0" smtClean="0">
+                <a:solidFill>
+                  <a:srgbClr val="A12410"/>
+                </a:solidFill>
+                <a:effectLst/>
+                <a:latin typeface="inherit"/>
+                <a:hlinkClick r:id="rId19"/>
+              </a:rPr>
+              <a:t>TestNG Report Generation</a:t>
+            </a:r>
+            <a:endParaRPr lang="en-GB" b="0" i="0" dirty="0">
+              <a:effectLst/>
+              <a:latin typeface="inherit"/>
+            </a:endParaRPr>
           </a:p>
         </p:txBody>
       </p:sp>
     </p:spTree>
     <p:extLst>
       <p:ext uri="{BB962C8B-B14F-4D97-AF65-F5344CB8AC3E}">
-        <p14:creationId xmlns:p14="http://schemas.microsoft.com/office/powerpoint/2010/main" val="2985840600"/>
+        <p14:creationId xmlns:p14="http://schemas.microsoft.com/office/powerpoint/2010/main" val="893035537"/>
       </p:ext>
     </p:extLst>
   </p:cSld>
@@ -5047,246 +5599,6 @@
 </file>
 
 <file path=ppt/slides/slide20.xml><?xml version="1.0" encoding="utf-8"?>
-<p:sld xmlns:a="http://schemas.openxmlformats.org/drawingml/2006/main" xmlns:r="http://schemas.openxmlformats.org/officeDocument/2006/relationships" xmlns:p="http://schemas.openxmlformats.org/presentationml/2006/main">
-  <p:cSld>
-    <p:spTree>
-      <p:nvGrpSpPr>
-        <p:cNvPr id="1" name=""/>
-        <p:cNvGrpSpPr/>
-        <p:nvPr/>
-      </p:nvGrpSpPr>
-      <p:grpSpPr>
-        <a:xfrm>
-          <a:off x="0" y="0"/>
-          <a:ext cx="0" cy="0"/>
-          <a:chOff x="0" y="0"/>
-          <a:chExt cx="0" cy="0"/>
-        </a:xfrm>
-      </p:grpSpPr>
-      <p:sp>
-        <p:nvSpPr>
-          <p:cNvPr id="2" name="Rectangle 1"/>
-          <p:cNvSpPr/>
-          <p:nvPr/>
-        </p:nvSpPr>
-        <p:spPr>
-          <a:xfrm>
-            <a:off x="584200" y="667435"/>
-            <a:ext cx="11023600" cy="369332"/>
-          </a:xfrm>
-          <a:prstGeom prst="rect">
-            <a:avLst/>
-          </a:prstGeom>
-        </p:spPr>
-        <p:txBody>
-          <a:bodyPr wrap="square">
-            <a:spAutoFit/>
-          </a:bodyPr>
-          <a:lstStyle/>
-          <a:p>
-            <a:pPr fontAlgn="base">
-              <a:buFont typeface="Arial" panose="020B0604020202020204" pitchFamily="34" charset="0"/>
-              <a:buChar char="•"/>
-            </a:pPr>
-            <a:r>
-              <a:rPr lang="en-GB" b="0" i="0" dirty="0" smtClean="0">
-                <a:effectLst/>
-                <a:latin typeface="inherit"/>
-              </a:rPr>
-              <a:t>AbstractTestNGCucumberTests – Runs each cucumber scenario found in the features as a separate test.</a:t>
-            </a:r>
-            <a:endParaRPr lang="en-GB" b="0" i="0" dirty="0">
-              <a:effectLst/>
-              <a:latin typeface="inherit"/>
-            </a:endParaRPr>
-          </a:p>
-        </p:txBody>
-      </p:sp>
-      <p:sp>
-        <p:nvSpPr>
-          <p:cNvPr id="3" name="Rectangle 2"/>
-          <p:cNvSpPr/>
-          <p:nvPr/>
-        </p:nvSpPr>
-        <p:spPr>
-          <a:xfrm>
-            <a:off x="495300" y="1381036"/>
-            <a:ext cx="11531600" cy="923330"/>
-          </a:xfrm>
-          <a:prstGeom prst="rect">
-            <a:avLst/>
-          </a:prstGeom>
-        </p:spPr>
-        <p:txBody>
-          <a:bodyPr wrap="square">
-            <a:spAutoFit/>
-          </a:bodyPr>
-          <a:lstStyle/>
-          <a:p>
-            <a:pPr fontAlgn="base"/>
-            <a:r>
-              <a:rPr lang="en-GB" b="1" i="1" dirty="0" smtClean="0">
-                <a:solidFill>
-                  <a:srgbClr val="0000EE"/>
-                </a:solidFill>
-                <a:effectLst/>
-                <a:latin typeface="inherit"/>
-              </a:rPr>
-              <a:t>Step 13 – Test Execution through TestNG</a:t>
-            </a:r>
-            <a:endParaRPr lang="en-GB" b="1" i="0" dirty="0" smtClean="0">
-              <a:solidFill>
-                <a:srgbClr val="0000EE"/>
-              </a:solidFill>
-              <a:effectLst/>
-              <a:latin typeface="Montserrat"/>
-            </a:endParaRPr>
-          </a:p>
-          <a:p>
-            <a:pPr fontAlgn="base"/>
-            <a:r>
-              <a:rPr lang="en-GB" b="0" i="0" dirty="0" smtClean="0">
-                <a:effectLst/>
-                <a:latin typeface="Open Sans"/>
-              </a:rPr>
-              <a:t>Go to the Runner class and right-click </a:t>
-            </a:r>
-            <a:r>
-              <a:rPr lang="en-GB" b="1" i="1" dirty="0" smtClean="0">
-                <a:effectLst/>
-                <a:latin typeface="inherit"/>
-              </a:rPr>
-              <a:t>Run As TestNG Test</a:t>
-            </a:r>
-            <a:r>
-              <a:rPr lang="en-GB" b="0" i="0" dirty="0" smtClean="0">
-                <a:effectLst/>
-                <a:latin typeface="Open Sans"/>
-              </a:rPr>
-              <a:t>. The tests will run as TestNG tests. This is for Eclipse.</a:t>
-            </a:r>
-            <a:endParaRPr lang="en-GB" b="0" i="0" dirty="0">
-              <a:effectLst/>
-              <a:latin typeface="Open Sans"/>
-            </a:endParaRPr>
-          </a:p>
-        </p:txBody>
-      </p:sp>
-      <p:pic>
-        <p:nvPicPr>
-          <p:cNvPr id="13314" name="Picture 2" descr="https://qaautomationexpert.files.wordpress.com/2021/06/image-28.png?w=477"/>
-          <p:cNvPicPr>
-            <a:picLocks noChangeAspect="1" noChangeArrowheads="1"/>
-          </p:cNvPicPr>
-          <p:nvPr/>
-        </p:nvPicPr>
-        <p:blipFill>
-          <a:blip r:embed="rId2">
-            <a:extLst>
-              <a:ext uri="{28A0092B-C50C-407E-A947-70E740481C1C}">
-                <a14:useLocalDpi xmlns:a14="http://schemas.microsoft.com/office/drawing/2010/main" val="0"/>
-              </a:ext>
-            </a:extLst>
-          </a:blip>
-          <a:srcRect/>
-          <a:stretch>
-            <a:fillRect/>
-          </a:stretch>
-        </p:blipFill>
-        <p:spPr bwMode="auto">
-          <a:xfrm>
-            <a:off x="495300" y="2476500"/>
-            <a:ext cx="4543425" cy="2314575"/>
-          </a:xfrm>
-          <a:prstGeom prst="rect">
-            <a:avLst/>
-          </a:prstGeom>
-          <a:noFill/>
-          <a:extLst>
-            <a:ext uri="{909E8E84-426E-40DD-AFC4-6F175D3DCCD1}">
-              <a14:hiddenFill xmlns:a14="http://schemas.microsoft.com/office/drawing/2010/main">
-                <a:solidFill>
-                  <a:srgbClr val="FFFFFF"/>
-                </a:solidFill>
-              </a14:hiddenFill>
-            </a:ext>
-          </a:extLst>
-        </p:spPr>
-      </p:pic>
-      <p:sp>
-        <p:nvSpPr>
-          <p:cNvPr id="4" name="Rectangle 3"/>
-          <p:cNvSpPr/>
-          <p:nvPr/>
-        </p:nvSpPr>
-        <p:spPr>
-          <a:xfrm>
-            <a:off x="165100" y="5076736"/>
-            <a:ext cx="9271000" cy="923330"/>
-          </a:xfrm>
-          <a:prstGeom prst="rect">
-            <a:avLst/>
-          </a:prstGeom>
-        </p:spPr>
-        <p:txBody>
-          <a:bodyPr wrap="square">
-            <a:spAutoFit/>
-          </a:bodyPr>
-          <a:lstStyle/>
-          <a:p>
-            <a:pPr fontAlgn="base"/>
-            <a:r>
-              <a:rPr lang="en-GB" b="0" i="0" dirty="0" smtClean="0">
-                <a:effectLst/>
-                <a:latin typeface="Open Sans"/>
-              </a:rPr>
-              <a:t>In case you are using IntelliJ, then select </a:t>
-            </a:r>
-            <a:r>
-              <a:rPr lang="en-GB" b="1" i="1" dirty="0" smtClean="0">
-                <a:effectLst/>
-                <a:latin typeface="inherit"/>
-              </a:rPr>
-              <a:t>“Run CucumberRunner Tests</a:t>
-            </a:r>
-            <a:r>
-              <a:rPr lang="en-GB" b="0" i="1" dirty="0" smtClean="0">
-                <a:effectLst/>
-                <a:latin typeface="inherit"/>
-              </a:rPr>
-              <a:t>“.</a:t>
-            </a:r>
-            <a:endParaRPr lang="en-GB" b="0" i="0" dirty="0" smtClean="0">
-              <a:effectLst/>
-              <a:latin typeface="Open Sans"/>
-            </a:endParaRPr>
-          </a:p>
-          <a:p>
-            <a:r>
-              <a:rPr lang="en-GB" dirty="0" smtClean="0"/>
-              <a:t/>
-            </a:r>
-            <a:br>
-              <a:rPr lang="en-GB" dirty="0" smtClean="0"/>
-            </a:br>
-            <a:endParaRPr lang="en-IN" dirty="0"/>
-          </a:p>
-        </p:txBody>
-      </p:sp>
-    </p:spTree>
-    <p:extLst>
-      <p:ext uri="{BB962C8B-B14F-4D97-AF65-F5344CB8AC3E}">
-        <p14:creationId xmlns:p14="http://schemas.microsoft.com/office/powerpoint/2010/main" val="3245984051"/>
-      </p:ext>
-    </p:extLst>
-  </p:cSld>
-  <p:clrMapOvr>
-    <a:masterClrMapping/>
-  </p:clrMapOvr>
-</p:sld>
-</file>
-
-<file path=ppt/slides/slide21.xml><?xml version="1.0" encoding="utf-8"?>
 <p:sld xmlns:a="http://schemas.openxmlformats.org/drawingml/2006/main" xmlns:r="http://schemas.openxmlformats.org/officeDocument/2006/relationships" xmlns:p="http://schemas.openxmlformats.org/presentationml/2006/main">
   <p:cSld>
     <p:spTree>
@@ -5448,7 +5760,7 @@
 </p:sld>
 </file>
 
-<file path=ppt/slides/slide22.xml><?xml version="1.0" encoding="utf-8"?>
+<file path=ppt/slides/slide21.xml><?xml version="1.0" encoding="utf-8"?>
 <p:sld xmlns:a="http://schemas.openxmlformats.org/drawingml/2006/main" xmlns:r="http://schemas.openxmlformats.org/officeDocument/2006/relationships" xmlns:p="http://schemas.openxmlformats.org/presentationml/2006/main">
   <p:cSld>
     <p:spTree>
@@ -6379,7 +6691,7 @@
 </p:sld>
 </file>
 
-<file path=ppt/slides/slide23.xml><?xml version="1.0" encoding="utf-8"?>
+<file path=ppt/slides/slide22.xml><?xml version="1.0" encoding="utf-8"?>
 <p:sld xmlns:a="http://schemas.openxmlformats.org/drawingml/2006/main" xmlns:r="http://schemas.openxmlformats.org/officeDocument/2006/relationships" xmlns:p="http://schemas.openxmlformats.org/presentationml/2006/main">
   <p:cSld>
     <p:bg>
@@ -6639,7 +6951,7 @@
 </p:sld>
 </file>
 
-<file path=ppt/slides/slide24.xml><?xml version="1.0" encoding="utf-8"?>
+<file path=ppt/slides/slide23.xml><?xml version="1.0" encoding="utf-8"?>
 <p:sld xmlns:a="http://schemas.openxmlformats.org/drawingml/2006/main" xmlns:r="http://schemas.openxmlformats.org/officeDocument/2006/relationships" xmlns:p="http://schemas.openxmlformats.org/presentationml/2006/main">
   <p:cSld>
     <p:bg>
@@ -6888,7 +7200,7 @@
 </p:sld>
 </file>
 
-<file path=ppt/slides/slide25.xml><?xml version="1.0" encoding="utf-8"?>
+<file path=ppt/slides/slide24.xml><?xml version="1.0" encoding="utf-8"?>
 <p:sld xmlns:a="http://schemas.openxmlformats.org/drawingml/2006/main" xmlns:r="http://schemas.openxmlformats.org/officeDocument/2006/relationships" xmlns:p="http://schemas.openxmlformats.org/presentationml/2006/main">
   <p:cSld>
     <p:spTree>
@@ -7001,7 +7313,7 @@
 </p:sld>
 </file>
 
-<file path=ppt/slides/slide26.xml><?xml version="1.0" encoding="utf-8"?>
+<file path=ppt/slides/slide25.xml><?xml version="1.0" encoding="utf-8"?>
 <p:sld xmlns:a="http://schemas.openxmlformats.org/drawingml/2006/main" xmlns:r="http://schemas.openxmlformats.org/officeDocument/2006/relationships" xmlns:p="http://schemas.openxmlformats.org/presentationml/2006/main">
   <p:cSld>
     <p:spTree>
@@ -7147,7 +7459,7 @@
 </p:sld>
 </file>
 
-<file path=ppt/slides/slide27.xml><?xml version="1.0" encoding="utf-8"?>
+<file path=ppt/slides/slide26.xml><?xml version="1.0" encoding="utf-8"?>
 <p:sld xmlns:a="http://schemas.openxmlformats.org/drawingml/2006/main" xmlns:r="http://schemas.openxmlformats.org/officeDocument/2006/relationships" xmlns:p="http://schemas.openxmlformats.org/presentationml/2006/main">
   <p:cSld>
     <p:spTree>
@@ -7218,7 +7530,7 @@
 </p:sld>
 </file>
 
-<file path=ppt/slides/slide28.xml><?xml version="1.0" encoding="utf-8"?>
+<file path=ppt/slides/slide27.xml><?xml version="1.0" encoding="utf-8"?>
 <p:sld xmlns:a="http://schemas.openxmlformats.org/drawingml/2006/main" xmlns:r="http://schemas.openxmlformats.org/officeDocument/2006/relationships" xmlns:p="http://schemas.openxmlformats.org/presentationml/2006/main">
   <p:cSld>
     <p:spTree>
@@ -7422,7 +7734,7 @@
 </p:sld>
 </file>
 
-<file path=ppt/slides/slide29.xml><?xml version="1.0" encoding="utf-8"?>
+<file path=ppt/slides/slide28.xml><?xml version="1.0" encoding="utf-8"?>
 <p:sld xmlns:a="http://schemas.openxmlformats.org/drawingml/2006/main" xmlns:r="http://schemas.openxmlformats.org/officeDocument/2006/relationships" xmlns:p="http://schemas.openxmlformats.org/presentationml/2006/main">
   <p:cSld>
     <p:spTree>
@@ -7469,427 +7781,51 @@
           <a:chExt cx="0" cy="0"/>
         </a:xfrm>
       </p:grpSpPr>
-      <p:sp>
-        <p:nvSpPr>
-          <p:cNvPr id="2" name="Rectangle 1"/>
-          <p:cNvSpPr/>
+      <p:pic>
+        <p:nvPicPr>
+          <p:cNvPr id="2" name="Picture 2" descr="https://qaautomationexpert.files.wordpress.com/2021/06/image-27.png?w=1189"/>
+          <p:cNvPicPr>
+            <a:picLocks noChangeAspect="1" noChangeArrowheads="1"/>
+          </p:cNvPicPr>
           <p:nvPr/>
-        </p:nvSpPr>
-        <p:spPr>
-          <a:xfrm>
-            <a:off x="381000" y="251748"/>
-            <a:ext cx="8699500" cy="6186309"/>
+        </p:nvPicPr>
+        <p:blipFill>
+          <a:blip r:embed="rId2">
+            <a:extLst>
+              <a:ext uri="{28A0092B-C50C-407E-A947-70E740481C1C}">
+                <a14:useLocalDpi xmlns:a14="http://schemas.microsoft.com/office/drawing/2010/main" val="0"/>
+              </a:ext>
+            </a:extLst>
+          </a:blip>
+          <a:srcRect/>
+          <a:stretch>
+            <a:fillRect/>
+          </a:stretch>
+        </p:blipFill>
+        <p:spPr bwMode="auto">
+          <a:xfrm>
+            <a:off x="180975" y="1128712"/>
+            <a:ext cx="11325225" cy="3924301"/>
           </a:xfrm>
           <a:prstGeom prst="rect">
             <a:avLst/>
           </a:prstGeom>
-        </p:spPr>
-        <p:txBody>
-          <a:bodyPr wrap="square">
-            <a:spAutoFit/>
-          </a:bodyPr>
-          <a:lstStyle/>
-          <a:p>
-            <a:pPr fontAlgn="base"/>
-            <a:r>
-              <a:rPr lang="en-GB" b="1" i="1" dirty="0" smtClean="0">
-                <a:effectLst/>
-                <a:latin typeface="inherit"/>
-              </a:rPr>
-              <a:t>Table of Contents:</a:t>
-            </a:r>
-          </a:p>
-          <a:p>
-            <a:pPr fontAlgn="base"/>
-            <a:endParaRPr lang="en-GB" b="0" i="0" dirty="0" smtClean="0">
-              <a:effectLst/>
-              <a:latin typeface="Open Sans"/>
-            </a:endParaRPr>
-          </a:p>
-          <a:p>
-            <a:pPr fontAlgn="base">
-              <a:buFont typeface="+mj-lt"/>
-              <a:buAutoNum type="arabicPeriod"/>
-            </a:pPr>
-            <a:r>
-              <a:rPr lang="en-GB" b="1" i="1" u="none" strike="noStrike" dirty="0" smtClean="0">
-                <a:solidFill>
-                  <a:srgbClr val="A12410"/>
-                </a:solidFill>
-                <a:effectLst/>
-                <a:latin typeface="inherit"/>
-                <a:hlinkClick r:id="rId2"/>
-              </a:rPr>
-              <a:t>Implementation Steps</a:t>
-            </a:r>
-            <a:endParaRPr lang="en-GB" b="0" i="0" dirty="0" smtClean="0">
-              <a:effectLst/>
-              <a:latin typeface="inherit"/>
-            </a:endParaRPr>
-          </a:p>
-          <a:p>
-            <a:pPr marL="742950" lvl="1" indent="-285750" fontAlgn="base">
-              <a:buFont typeface="+mj-lt"/>
-              <a:buAutoNum type="arabicPeriod"/>
-            </a:pPr>
-            <a:r>
-              <a:rPr lang="en-GB" b="1" i="1" u="none" strike="noStrike" dirty="0" smtClean="0">
-                <a:solidFill>
-                  <a:srgbClr val="A12410"/>
-                </a:solidFill>
-                <a:effectLst/>
-                <a:latin typeface="inherit"/>
-                <a:hlinkClick r:id="rId3"/>
-              </a:rPr>
-              <a:t>Download and Install Java</a:t>
-            </a:r>
-            <a:endParaRPr lang="en-GB" b="0" i="0" dirty="0" smtClean="0">
-              <a:effectLst/>
-              <a:latin typeface="inherit"/>
-            </a:endParaRPr>
-          </a:p>
-          <a:p>
-            <a:pPr marL="742950" lvl="1" indent="-285750" fontAlgn="base">
-              <a:buFont typeface="+mj-lt"/>
-              <a:buAutoNum type="arabicPeriod"/>
-            </a:pPr>
-            <a:r>
-              <a:rPr lang="en-GB" b="1" i="1" u="none" strike="noStrike" dirty="0" smtClean="0">
-                <a:solidFill>
-                  <a:srgbClr val="A12410"/>
-                </a:solidFill>
-                <a:effectLst/>
-                <a:latin typeface="inherit"/>
-                <a:hlinkClick r:id="rId4"/>
-              </a:rPr>
-              <a:t>Download and setup Eclipse IDE on the system</a:t>
-            </a:r>
-            <a:endParaRPr lang="en-GB" b="0" i="0" dirty="0" smtClean="0">
-              <a:effectLst/>
-              <a:latin typeface="inherit"/>
-            </a:endParaRPr>
-          </a:p>
-          <a:p>
-            <a:pPr marL="742950" lvl="1" indent="-285750" fontAlgn="base">
-              <a:buFont typeface="+mj-lt"/>
-              <a:buAutoNum type="arabicPeriod"/>
-            </a:pPr>
-            <a:r>
-              <a:rPr lang="en-GB" b="1" i="1" u="none" strike="noStrike" dirty="0" smtClean="0">
-                <a:solidFill>
-                  <a:srgbClr val="A12410"/>
-                </a:solidFill>
-                <a:effectLst/>
-                <a:latin typeface="inherit"/>
-                <a:hlinkClick r:id="rId5"/>
-              </a:rPr>
-              <a:t>Setup Maven</a:t>
-            </a:r>
-            <a:endParaRPr lang="en-GB" b="0" i="0" dirty="0" smtClean="0">
-              <a:effectLst/>
-              <a:latin typeface="inherit"/>
-            </a:endParaRPr>
-          </a:p>
-          <a:p>
-            <a:pPr marL="742950" lvl="1" indent="-285750" fontAlgn="base">
-              <a:buFont typeface="+mj-lt"/>
-              <a:buAutoNum type="arabicPeriod"/>
-            </a:pPr>
-            <a:r>
-              <a:rPr lang="en-GB" b="1" i="1" u="none" strike="noStrike" dirty="0" smtClean="0">
-                <a:solidFill>
-                  <a:srgbClr val="A12410"/>
-                </a:solidFill>
-                <a:effectLst/>
-                <a:latin typeface="inherit"/>
-                <a:hlinkClick r:id="rId6"/>
-              </a:rPr>
-              <a:t>Install Cucumber Eclipse Plugin (Only for Eclipse IDE)</a:t>
-            </a:r>
-            <a:endParaRPr lang="en-GB" b="0" i="0" dirty="0" smtClean="0">
-              <a:effectLst/>
-              <a:latin typeface="inherit"/>
-            </a:endParaRPr>
-          </a:p>
-          <a:p>
-            <a:pPr marL="742950" lvl="1" indent="-285750" fontAlgn="base">
-              <a:buFont typeface="+mj-lt"/>
-              <a:buAutoNum type="arabicPeriod"/>
-            </a:pPr>
-            <a:r>
-              <a:rPr lang="en-GB" b="1" i="1" u="none" strike="noStrike" dirty="0" smtClean="0">
-                <a:solidFill>
-                  <a:srgbClr val="A12410"/>
-                </a:solidFill>
-                <a:effectLst/>
-                <a:latin typeface="inherit"/>
-                <a:hlinkClick r:id="rId7"/>
-              </a:rPr>
-              <a:t>Download and install TestNG plugin</a:t>
-            </a:r>
-            <a:endParaRPr lang="en-GB" b="0" i="0" dirty="0" smtClean="0">
-              <a:effectLst/>
-              <a:latin typeface="inherit"/>
-            </a:endParaRPr>
-          </a:p>
-          <a:p>
-            <a:pPr marL="742950" lvl="1" indent="-285750" fontAlgn="base">
-              <a:buFont typeface="+mj-lt"/>
-              <a:buAutoNum type="arabicPeriod"/>
-            </a:pPr>
-            <a:r>
-              <a:rPr lang="en-GB" b="1" i="1" u="none" strike="noStrike" dirty="0" smtClean="0">
-                <a:solidFill>
-                  <a:srgbClr val="A12410"/>
-                </a:solidFill>
-                <a:effectLst/>
-                <a:latin typeface="inherit"/>
-                <a:hlinkClick r:id="rId8"/>
-              </a:rPr>
-              <a:t>Create a new Maven Project</a:t>
-            </a:r>
-            <a:endParaRPr lang="en-GB" b="0" i="0" dirty="0" smtClean="0">
-              <a:effectLst/>
-              <a:latin typeface="inherit"/>
-            </a:endParaRPr>
-          </a:p>
-          <a:p>
-            <a:pPr marL="742950" lvl="1" indent="-285750" fontAlgn="base">
-              <a:buFont typeface="+mj-lt"/>
-              <a:buAutoNum type="arabicPeriod"/>
-            </a:pPr>
-            <a:r>
-              <a:rPr lang="en-GB" b="1" i="1" u="none" strike="noStrike" dirty="0" smtClean="0">
-                <a:solidFill>
-                  <a:srgbClr val="A12410"/>
-                </a:solidFill>
-                <a:effectLst/>
-                <a:latin typeface="inherit"/>
-                <a:hlinkClick r:id="rId9"/>
-              </a:rPr>
-              <a:t>Create source folder src/test/resources to create test scenarios in Feature file</a:t>
-            </a:r>
-            <a:endParaRPr lang="en-GB" b="0" i="0" dirty="0" smtClean="0">
-              <a:effectLst/>
-              <a:latin typeface="inherit"/>
-            </a:endParaRPr>
-          </a:p>
-          <a:p>
-            <a:pPr marL="742950" lvl="1" indent="-285750" fontAlgn="base">
-              <a:buFont typeface="+mj-lt"/>
-              <a:buAutoNum type="arabicPeriod"/>
-            </a:pPr>
-            <a:r>
-              <a:rPr lang="en-GB" b="1" i="1" u="none" strike="noStrike" dirty="0" smtClean="0">
-                <a:solidFill>
-                  <a:srgbClr val="A12410"/>
-                </a:solidFill>
-                <a:effectLst/>
-                <a:latin typeface="inherit"/>
-                <a:hlinkClick r:id="rId10"/>
-              </a:rPr>
-              <a:t>Add Selenium, TestNG, and Cucumber dependencies to the project</a:t>
-            </a:r>
-            <a:endParaRPr lang="en-GB" b="0" i="0" dirty="0" smtClean="0">
-              <a:effectLst/>
-              <a:latin typeface="inherit"/>
-            </a:endParaRPr>
-          </a:p>
-          <a:p>
-            <a:pPr marL="742950" lvl="1" indent="-285750" fontAlgn="base">
-              <a:buFont typeface="+mj-lt"/>
-              <a:buAutoNum type="arabicPeriod"/>
-            </a:pPr>
-            <a:r>
-              <a:rPr lang="en-GB" b="1" i="1" u="none" strike="noStrike" dirty="0" smtClean="0">
-                <a:solidFill>
-                  <a:srgbClr val="A12410"/>
-                </a:solidFill>
-                <a:effectLst/>
-                <a:latin typeface="inherit"/>
-                <a:hlinkClick r:id="rId11"/>
-              </a:rPr>
-              <a:t>Add Maven Compiler Plugin and SureFire Plugin</a:t>
-            </a:r>
-            <a:endParaRPr lang="en-GB" b="0" i="0" dirty="0" smtClean="0">
-              <a:effectLst/>
-              <a:latin typeface="inherit"/>
-            </a:endParaRPr>
-          </a:p>
-          <a:p>
-            <a:pPr marL="742950" lvl="1" indent="-285750" fontAlgn="base">
-              <a:buFont typeface="+mj-lt"/>
-              <a:buAutoNum type="arabicPeriod"/>
-            </a:pPr>
-            <a:r>
-              <a:rPr lang="en-GB" b="1" i="1" u="none" strike="noStrike" dirty="0" smtClean="0">
-                <a:solidFill>
-                  <a:srgbClr val="A12410"/>
-                </a:solidFill>
-                <a:effectLst/>
-                <a:latin typeface="inherit"/>
-                <a:hlinkClick r:id="rId12"/>
-              </a:rPr>
-              <a:t>Create a feature file (LoginPage.feature) containing all the test scenarios under src/test/resources/features</a:t>
-            </a:r>
-            <a:endParaRPr lang="en-GB" b="0" i="0" dirty="0" smtClean="0">
-              <a:effectLst/>
-              <a:latin typeface="inherit"/>
-            </a:endParaRPr>
-          </a:p>
-          <a:p>
-            <a:pPr marL="742950" lvl="1" indent="-285750" fontAlgn="base">
-              <a:buFont typeface="+mj-lt"/>
-              <a:buAutoNum type="arabicPeriod"/>
-            </a:pPr>
-            <a:r>
-              <a:rPr lang="en-GB" b="1" i="1" u="none" strike="noStrike" dirty="0" smtClean="0">
-                <a:solidFill>
-                  <a:srgbClr val="A12410"/>
-                </a:solidFill>
-                <a:effectLst/>
-                <a:latin typeface="inherit"/>
-                <a:hlinkClick r:id="rId13"/>
-              </a:rPr>
-              <a:t>Create the step definition class in src/test/java</a:t>
-            </a:r>
-            <a:endParaRPr lang="en-GB" b="0" i="0" dirty="0" smtClean="0">
-              <a:effectLst/>
-              <a:latin typeface="inherit"/>
-            </a:endParaRPr>
-          </a:p>
-          <a:p>
-            <a:pPr marL="742950" lvl="1" indent="-285750" fontAlgn="base">
-              <a:buFont typeface="+mj-lt"/>
-              <a:buAutoNum type="arabicPeriod"/>
-            </a:pPr>
-            <a:r>
-              <a:rPr lang="en-GB" b="1" i="1" u="none" strike="noStrike" dirty="0" smtClean="0">
-                <a:solidFill>
-                  <a:srgbClr val="A12410"/>
-                </a:solidFill>
-                <a:effectLst/>
-                <a:latin typeface="inherit"/>
-                <a:hlinkClick r:id="rId14"/>
-              </a:rPr>
-              <a:t>Create a TestNG Cucumber Runner class in src/test/java</a:t>
-            </a:r>
-            <a:endParaRPr lang="en-GB" b="0" i="0" dirty="0" smtClean="0">
-              <a:effectLst/>
-              <a:latin typeface="inherit"/>
-            </a:endParaRPr>
-          </a:p>
-          <a:p>
-            <a:pPr marL="742950" lvl="1" indent="-285750" fontAlgn="base">
-              <a:buFont typeface="+mj-lt"/>
-              <a:buAutoNum type="arabicPeriod"/>
-            </a:pPr>
-            <a:r>
-              <a:rPr lang="en-GB" b="1" i="1" u="none" strike="noStrike" dirty="0" smtClean="0">
-                <a:solidFill>
-                  <a:srgbClr val="A12410"/>
-                </a:solidFill>
-                <a:effectLst/>
-                <a:latin typeface="inherit"/>
-                <a:hlinkClick r:id="rId15"/>
-              </a:rPr>
-              <a:t>Test Execution through TestNG</a:t>
-            </a:r>
-            <a:endParaRPr lang="en-GB" b="0" i="0" dirty="0" smtClean="0">
-              <a:effectLst/>
-              <a:latin typeface="inherit"/>
-            </a:endParaRPr>
-          </a:p>
-          <a:p>
-            <a:pPr marL="742950" lvl="1" indent="-285750" fontAlgn="base">
-              <a:buFont typeface="+mj-lt"/>
-              <a:buAutoNum type="arabicPeriod"/>
-            </a:pPr>
-            <a:r>
-              <a:rPr lang="en-GB" b="1" i="1" u="none" strike="noStrike" dirty="0" smtClean="0">
-                <a:solidFill>
-                  <a:srgbClr val="A12410"/>
-                </a:solidFill>
-                <a:effectLst/>
-                <a:latin typeface="inherit"/>
-                <a:hlinkClick r:id="rId16"/>
-              </a:rPr>
-              <a:t>Run the tests from TestNG.xml</a:t>
-            </a:r>
-            <a:endParaRPr lang="en-GB" b="0" i="0" dirty="0" smtClean="0">
-              <a:effectLst/>
-              <a:latin typeface="inherit"/>
-            </a:endParaRPr>
-          </a:p>
-          <a:p>
-            <a:pPr marL="742950" lvl="1" indent="-285750" fontAlgn="base">
-              <a:buFont typeface="+mj-lt"/>
-              <a:buAutoNum type="arabicPeriod"/>
-            </a:pPr>
-            <a:r>
-              <a:rPr lang="en-GB" b="1" i="1" u="none" strike="noStrike" dirty="0" smtClean="0">
-                <a:solidFill>
-                  <a:srgbClr val="A12410"/>
-                </a:solidFill>
-                <a:effectLst/>
-                <a:latin typeface="inherit"/>
-                <a:hlinkClick r:id="rId17"/>
-              </a:rPr>
-              <a:t>Run the tests from Command Line</a:t>
-            </a:r>
-            <a:endParaRPr lang="en-GB" b="0" i="0" dirty="0" smtClean="0">
-              <a:effectLst/>
-              <a:latin typeface="inherit"/>
-            </a:endParaRPr>
-          </a:p>
-          <a:p>
-            <a:pPr marL="742950" lvl="1" indent="-285750" fontAlgn="base">
-              <a:buFont typeface="+mj-lt"/>
-              <a:buAutoNum type="arabicPeriod"/>
-            </a:pPr>
-            <a:r>
-              <a:rPr lang="en-GB" b="1" i="1" u="none" strike="noStrike" dirty="0" smtClean="0">
-                <a:solidFill>
-                  <a:srgbClr val="A12410"/>
-                </a:solidFill>
-                <a:effectLst/>
-                <a:latin typeface="inherit"/>
-                <a:hlinkClick r:id="rId18"/>
-              </a:rPr>
-              <a:t>Cucumber Report Generation</a:t>
-            </a:r>
-            <a:endParaRPr lang="en-GB" b="0" i="0" dirty="0" smtClean="0">
-              <a:effectLst/>
-              <a:latin typeface="inherit"/>
-            </a:endParaRPr>
-          </a:p>
-          <a:p>
-            <a:pPr marL="742950" lvl="1" indent="-285750" fontAlgn="base">
-              <a:buFont typeface="+mj-lt"/>
-              <a:buAutoNum type="arabicPeriod"/>
-            </a:pPr>
-            <a:r>
-              <a:rPr lang="en-GB" b="1" i="1" u="none" strike="noStrike" dirty="0" smtClean="0">
-                <a:solidFill>
-                  <a:srgbClr val="A12410"/>
-                </a:solidFill>
-                <a:effectLst/>
-                <a:latin typeface="inherit"/>
-                <a:hlinkClick r:id="rId19"/>
-              </a:rPr>
-              <a:t>TestNG Report Generation</a:t>
-            </a:r>
-            <a:endParaRPr lang="en-GB" b="0" i="0" dirty="0">
-              <a:effectLst/>
-              <a:latin typeface="inherit"/>
-            </a:endParaRPr>
-          </a:p>
-        </p:txBody>
-      </p:sp>
+          <a:noFill/>
+          <a:extLst>
+            <a:ext uri="{909E8E84-426E-40DD-AFC4-6F175D3DCCD1}">
+              <a14:hiddenFill xmlns:a14="http://schemas.microsoft.com/office/drawing/2010/main">
+                <a:solidFill>
+                  <a:srgbClr val="FFFFFF"/>
+                </a:solidFill>
+              </a14:hiddenFill>
+            </a:ext>
+          </a:extLst>
+        </p:spPr>
+      </p:pic>
     </p:spTree>
     <p:extLst>
       <p:ext uri="{BB962C8B-B14F-4D97-AF65-F5344CB8AC3E}">
-        <p14:creationId xmlns:p14="http://schemas.microsoft.com/office/powerpoint/2010/main" val="893035537"/>
+        <p14:creationId xmlns:p14="http://schemas.microsoft.com/office/powerpoint/2010/main" val="797277905"/>
       </p:ext>
     </p:extLst>
   </p:cSld>
@@ -7916,51 +7852,295 @@
           <a:chExt cx="0" cy="0"/>
         </a:xfrm>
       </p:grpSpPr>
-      <p:pic>
-        <p:nvPicPr>
-          <p:cNvPr id="2" name="Picture 2" descr="https://qaautomationexpert.files.wordpress.com/2021/06/image-27.png?w=1189"/>
-          <p:cNvPicPr>
-            <a:picLocks noChangeAspect="1" noChangeArrowheads="1"/>
-          </p:cNvPicPr>
+      <p:sp>
+        <p:nvSpPr>
+          <p:cNvPr id="2" name="Rectangle 1"/>
+          <p:cNvSpPr/>
           <p:nvPr/>
-        </p:nvPicPr>
-        <p:blipFill>
-          <a:blip r:embed="rId2">
-            <a:extLst>
-              <a:ext uri="{28A0092B-C50C-407E-A947-70E740481C1C}">
-                <a14:useLocalDpi xmlns:a14="http://schemas.microsoft.com/office/drawing/2010/main" val="0"/>
-              </a:ext>
-            </a:extLst>
-          </a:blip>
-          <a:srcRect/>
-          <a:stretch>
-            <a:fillRect/>
-          </a:stretch>
-        </p:blipFill>
-        <p:spPr bwMode="auto">
-          <a:xfrm>
-            <a:off x="180975" y="1128712"/>
-            <a:ext cx="11325225" cy="3924301"/>
+        </p:nvSpPr>
+        <p:spPr>
+          <a:xfrm>
+            <a:off x="114300" y="197535"/>
+            <a:ext cx="10896600" cy="923330"/>
           </a:xfrm>
           <a:prstGeom prst="rect">
             <a:avLst/>
           </a:prstGeom>
-          <a:noFill/>
-          <a:extLst>
-            <a:ext uri="{909E8E84-426E-40DD-AFC4-6F175D3DCCD1}">
-              <a14:hiddenFill xmlns:a14="http://schemas.microsoft.com/office/drawing/2010/main">
-                <a:solidFill>
-                  <a:srgbClr val="FFFFFF"/>
-                </a:solidFill>
-              </a14:hiddenFill>
-            </a:ext>
-          </a:extLst>
-        </p:spPr>
-      </p:pic>
+        </p:spPr>
+        <p:txBody>
+          <a:bodyPr wrap="square">
+            <a:spAutoFit/>
+          </a:bodyPr>
+          <a:lstStyle/>
+          <a:p>
+            <a:pPr fontAlgn="base"/>
+            <a:r>
+              <a:rPr lang="en-GB" b="1" i="1" dirty="0" smtClean="0">
+                <a:solidFill>
+                  <a:srgbClr val="6E340D"/>
+                </a:solidFill>
+                <a:effectLst/>
+                <a:latin typeface="inherit"/>
+              </a:rPr>
+              <a:t>				Implementation Steps</a:t>
+            </a:r>
+            <a:endParaRPr lang="en-GB" b="1" i="0" dirty="0" smtClean="0">
+              <a:solidFill>
+                <a:srgbClr val="6E340D"/>
+              </a:solidFill>
+              <a:effectLst/>
+              <a:latin typeface="Montserrat"/>
+            </a:endParaRPr>
+          </a:p>
+          <a:p>
+            <a:pPr fontAlgn="base"/>
+            <a:endParaRPr lang="en-GB" b="1" i="1" dirty="0" smtClean="0">
+              <a:solidFill>
+                <a:srgbClr val="0000EE"/>
+              </a:solidFill>
+              <a:effectLst/>
+              <a:latin typeface="inherit"/>
+            </a:endParaRPr>
+          </a:p>
+          <a:p>
+            <a:pPr fontAlgn="base"/>
+            <a:r>
+              <a:rPr lang="en-GB" b="1" i="1" dirty="0" smtClean="0">
+                <a:solidFill>
+                  <a:srgbClr val="0000EE"/>
+                </a:solidFill>
+                <a:effectLst/>
+                <a:latin typeface="inherit"/>
+              </a:rPr>
+              <a:t>Step 1- Download and Install Java</a:t>
+            </a:r>
+            <a:endParaRPr lang="en-GB" b="1" i="0" dirty="0">
+              <a:solidFill>
+                <a:srgbClr val="0000EE"/>
+              </a:solidFill>
+              <a:effectLst/>
+              <a:latin typeface="Montserrat"/>
+            </a:endParaRPr>
+          </a:p>
+        </p:txBody>
+      </p:sp>
+      <p:sp>
+        <p:nvSpPr>
+          <p:cNvPr id="3" name="Rectangle 2"/>
+          <p:cNvSpPr/>
+          <p:nvPr/>
+        </p:nvSpPr>
+        <p:spPr>
+          <a:xfrm>
+            <a:off x="114300" y="1120865"/>
+            <a:ext cx="9182100" cy="369332"/>
+          </a:xfrm>
+          <a:prstGeom prst="rect">
+            <a:avLst/>
+          </a:prstGeom>
+        </p:spPr>
+        <p:txBody>
+          <a:bodyPr wrap="square">
+            <a:spAutoFit/>
+          </a:bodyPr>
+          <a:lstStyle/>
+          <a:p>
+            <a:pPr fontAlgn="base"/>
+            <a:r>
+              <a:rPr lang="en-GB" b="1" i="1" dirty="0" smtClean="0">
+                <a:solidFill>
+                  <a:srgbClr val="0000EE"/>
+                </a:solidFill>
+                <a:effectLst/>
+                <a:latin typeface="inherit"/>
+              </a:rPr>
+              <a:t>Step 2 – Download and setup Eclipse IDE on the system</a:t>
+            </a:r>
+            <a:endParaRPr lang="en-GB" b="1" i="0" dirty="0">
+              <a:solidFill>
+                <a:srgbClr val="0000EE"/>
+              </a:solidFill>
+              <a:effectLst/>
+              <a:latin typeface="Montserrat"/>
+            </a:endParaRPr>
+          </a:p>
+        </p:txBody>
+      </p:sp>
+      <p:sp>
+        <p:nvSpPr>
+          <p:cNvPr id="4" name="Rectangle 3"/>
+          <p:cNvSpPr/>
+          <p:nvPr/>
+        </p:nvSpPr>
+        <p:spPr>
+          <a:xfrm>
+            <a:off x="114300" y="1580634"/>
+            <a:ext cx="2557110" cy="369332"/>
+          </a:xfrm>
+          <a:prstGeom prst="rect">
+            <a:avLst/>
+          </a:prstGeom>
+        </p:spPr>
+        <p:txBody>
+          <a:bodyPr wrap="none">
+            <a:spAutoFit/>
+          </a:bodyPr>
+          <a:lstStyle/>
+          <a:p>
+            <a:pPr fontAlgn="base"/>
+            <a:r>
+              <a:rPr lang="en-IN" b="1" i="1" dirty="0" smtClean="0">
+                <a:solidFill>
+                  <a:srgbClr val="0000EE"/>
+                </a:solidFill>
+                <a:effectLst/>
+                <a:latin typeface="inherit"/>
+              </a:rPr>
+              <a:t>Step 3 – Setup Maven</a:t>
+            </a:r>
+            <a:endParaRPr lang="en-IN" b="1" i="0" dirty="0">
+              <a:solidFill>
+                <a:srgbClr val="0000EE"/>
+              </a:solidFill>
+              <a:effectLst/>
+              <a:latin typeface="Montserrat"/>
+            </a:endParaRPr>
+          </a:p>
+        </p:txBody>
+      </p:sp>
+      <p:sp>
+        <p:nvSpPr>
+          <p:cNvPr id="5" name="Rectangle 4"/>
+          <p:cNvSpPr/>
+          <p:nvPr/>
+        </p:nvSpPr>
+        <p:spPr>
+          <a:xfrm>
+            <a:off x="114300" y="2044195"/>
+            <a:ext cx="9182100" cy="369332"/>
+          </a:xfrm>
+          <a:prstGeom prst="rect">
+            <a:avLst/>
+          </a:prstGeom>
+        </p:spPr>
+        <p:txBody>
+          <a:bodyPr wrap="square">
+            <a:spAutoFit/>
+          </a:bodyPr>
+          <a:lstStyle/>
+          <a:p>
+            <a:pPr fontAlgn="base"/>
+            <a:r>
+              <a:rPr lang="en-GB" b="1" i="1" dirty="0" smtClean="0">
+                <a:solidFill>
+                  <a:srgbClr val="0000EE"/>
+                </a:solidFill>
+                <a:effectLst/>
+                <a:latin typeface="inherit"/>
+              </a:rPr>
+              <a:t>Step 4 – Install Cucumber Eclipse Plugin (Only for Eclipse IDE)</a:t>
+            </a:r>
+            <a:endParaRPr lang="en-GB" b="1" i="0" dirty="0">
+              <a:solidFill>
+                <a:srgbClr val="0000EE"/>
+              </a:solidFill>
+              <a:effectLst/>
+              <a:latin typeface="Montserrat"/>
+            </a:endParaRPr>
+          </a:p>
+        </p:txBody>
+      </p:sp>
+      <p:sp>
+        <p:nvSpPr>
+          <p:cNvPr id="6" name="Rectangle 5"/>
+          <p:cNvSpPr/>
+          <p:nvPr/>
+        </p:nvSpPr>
+        <p:spPr>
+          <a:xfrm>
+            <a:off x="3398195" y="2598193"/>
+            <a:ext cx="4532010" cy="369332"/>
+          </a:xfrm>
+          <a:prstGeom prst="rect">
+            <a:avLst/>
+          </a:prstGeom>
+        </p:spPr>
+        <p:txBody>
+          <a:bodyPr wrap="none">
+            <a:spAutoFit/>
+          </a:bodyPr>
+          <a:lstStyle/>
+          <a:p>
+            <a:pPr fontAlgn="base"/>
+            <a:r>
+              <a:rPr lang="en-GB" b="1" i="0" dirty="0" smtClean="0">
+                <a:solidFill>
+                  <a:srgbClr val="424242"/>
+                </a:solidFill>
+                <a:effectLst/>
+                <a:latin typeface="Montserrat"/>
+              </a:rPr>
+              <a:t>How to install Cucumber Eclipse Plugin</a:t>
+            </a:r>
+            <a:endParaRPr lang="en-GB" b="1" i="0" dirty="0">
+              <a:solidFill>
+                <a:srgbClr val="424242"/>
+              </a:solidFill>
+              <a:effectLst/>
+              <a:latin typeface="Montserrat"/>
+            </a:endParaRPr>
+          </a:p>
+        </p:txBody>
+      </p:sp>
+      <p:sp>
+        <p:nvSpPr>
+          <p:cNvPr id="7" name="Rectangle 6"/>
+          <p:cNvSpPr/>
+          <p:nvPr/>
+        </p:nvSpPr>
+        <p:spPr>
+          <a:xfrm>
+            <a:off x="571500" y="3392438"/>
+            <a:ext cx="11341100" cy="1200329"/>
+          </a:xfrm>
+          <a:prstGeom prst="rect">
+            <a:avLst/>
+          </a:prstGeom>
+        </p:spPr>
+        <p:txBody>
+          <a:bodyPr wrap="square">
+            <a:spAutoFit/>
+          </a:bodyPr>
+          <a:lstStyle/>
+          <a:p>
+            <a:r>
+              <a:rPr lang="en-GB" b="0" i="0" dirty="0" smtClean="0">
+                <a:solidFill>
+                  <a:srgbClr val="000000"/>
+                </a:solidFill>
+                <a:effectLst/>
+                <a:latin typeface="Open Sans"/>
+              </a:rPr>
+              <a:t>The Cucumber plugin is an Eclipse plugin that allows eclipse to understand the Gherkin syntax. When we are working with cucumber we will write the feature files that contain Feature, Scenario, Given, When, Then, And, But, Tags, Scenario Outline, and Examples. By default, eclipse doesn’t understand these keywords, so it doesn’t show any syntax highlighter. </a:t>
+            </a:r>
+            <a:r>
+              <a:rPr lang="en-GB" b="0" i="0" smtClean="0">
+                <a:solidFill>
+                  <a:srgbClr val="000000"/>
+                </a:solidFill>
+                <a:effectLst/>
+                <a:latin typeface="Open Sans"/>
+              </a:rPr>
+              <a:t>Cucumber Eclipse Plugin highlights the keywords present in Feature File.</a:t>
+            </a:r>
+            <a:endParaRPr lang="en-IN"/>
+          </a:p>
+        </p:txBody>
+      </p:sp>
     </p:spTree>
     <p:extLst>
       <p:ext uri="{BB962C8B-B14F-4D97-AF65-F5344CB8AC3E}">
-        <p14:creationId xmlns:p14="http://schemas.microsoft.com/office/powerpoint/2010/main" val="797277905"/>
+        <p14:creationId xmlns:p14="http://schemas.microsoft.com/office/powerpoint/2010/main" val="425363301"/>
       </p:ext>
     </p:extLst>
   </p:cSld>
@@ -7995,8 +8175,8 @@
         </p:nvSpPr>
         <p:spPr>
           <a:xfrm>
-            <a:off x="114300" y="197535"/>
-            <a:ext cx="10896600" cy="923330"/>
+            <a:off x="114300" y="338435"/>
+            <a:ext cx="11303000" cy="646331"/>
           </a:xfrm>
           <a:prstGeom prst="rect">
             <a:avLst/>
@@ -8008,57 +8188,81 @@
           </a:bodyPr>
           <a:lstStyle/>
           <a:p>
-            <a:pPr fontAlgn="base"/>
-            <a:r>
-              <a:rPr lang="en-GB" b="1" i="1" dirty="0" smtClean="0">
-                <a:solidFill>
-                  <a:srgbClr val="6E340D"/>
+            <a:r>
+              <a:rPr lang="en-GB" b="0" i="0" smtClean="0">
+                <a:solidFill>
+                  <a:srgbClr val="000000"/>
+                </a:solidFill>
+                <a:effectLst/>
+                <a:latin typeface="Open Sans"/>
+              </a:rPr>
+              <a:t>When we create a feature file in Eclipse it looks something like the below withou</a:t>
+            </a:r>
+            <a:r>
+              <a:rPr lang="en-GB" b="1" i="1" smtClean="0">
+                <a:solidFill>
+                  <a:srgbClr val="000000"/>
                 </a:solidFill>
                 <a:effectLst/>
                 <a:latin typeface="inherit"/>
               </a:rPr>
-              <a:t>				Implementation Steps</a:t>
-            </a:r>
-            <a:endParaRPr lang="en-GB" b="1" i="0" dirty="0" smtClean="0">
-              <a:solidFill>
-                <a:srgbClr val="6E340D"/>
-              </a:solidFill>
-              <a:effectLst/>
-              <a:latin typeface="Montserrat"/>
-            </a:endParaRPr>
-          </a:p>
-          <a:p>
-            <a:pPr fontAlgn="base"/>
-            <a:endParaRPr lang="en-GB" b="1" i="1" dirty="0" smtClean="0">
-              <a:solidFill>
-                <a:srgbClr val="0000EE"/>
-              </a:solidFill>
-              <a:effectLst/>
-              <a:latin typeface="inherit"/>
-            </a:endParaRPr>
-          </a:p>
-          <a:p>
-            <a:pPr fontAlgn="base"/>
-            <a:r>
-              <a:rPr lang="en-GB" b="1" i="1" dirty="0" smtClean="0">
-                <a:solidFill>
-                  <a:srgbClr val="0000EE"/>
-                </a:solidFill>
-                <a:effectLst/>
-                <a:latin typeface="inherit"/>
-              </a:rPr>
-              <a:t>Step 1- Download and Install Java</a:t>
-            </a:r>
-            <a:endParaRPr lang="en-GB" b="1" i="0" dirty="0">
-              <a:solidFill>
-                <a:srgbClr val="0000EE"/>
-              </a:solidFill>
-              <a:effectLst/>
-              <a:latin typeface="Montserrat"/>
-            </a:endParaRPr>
-          </a:p>
-        </p:txBody>
-      </p:sp>
+              <a:t>t Cucumber Eclipse Plugin</a:t>
+            </a:r>
+            <a:r>
+              <a:rPr lang="en-GB" b="0" i="0" smtClean="0">
+                <a:solidFill>
+                  <a:srgbClr val="000000"/>
+                </a:solidFill>
+                <a:effectLst/>
+                <a:latin typeface="Open Sans"/>
+              </a:rPr>
+              <a:t> installed.</a:t>
+            </a:r>
+            <a:endParaRPr lang="en-IN"/>
+          </a:p>
+        </p:txBody>
+      </p:sp>
+      <p:pic>
+        <p:nvPicPr>
+          <p:cNvPr id="5122" name="Picture 2" descr="https://qaautomationexpert.files.wordpress.com/2022/06/image-53.png?w=918"/>
+          <p:cNvPicPr>
+            <a:picLocks noChangeAspect="1" noChangeArrowheads="1"/>
+          </p:cNvPicPr>
+          <p:nvPr/>
+        </p:nvPicPr>
+        <p:blipFill>
+          <a:blip r:embed="rId2">
+            <a:extLst>
+              <a:ext uri="{28A0092B-C50C-407E-A947-70E740481C1C}">
+                <a14:useLocalDpi xmlns:a14="http://schemas.microsoft.com/office/drawing/2010/main" val="0"/>
+              </a:ext>
+            </a:extLst>
+          </a:blip>
+          <a:srcRect/>
+          <a:stretch>
+            <a:fillRect/>
+          </a:stretch>
+        </p:blipFill>
+        <p:spPr bwMode="auto">
+          <a:xfrm>
+            <a:off x="1120775" y="1235075"/>
+            <a:ext cx="8743950" cy="2428875"/>
+          </a:xfrm>
+          <a:prstGeom prst="rect">
+            <a:avLst/>
+          </a:prstGeom>
+          <a:noFill/>
+          <a:extLst>
+            <a:ext uri="{909E8E84-426E-40DD-AFC4-6F175D3DCCD1}">
+              <a14:hiddenFill xmlns:a14="http://schemas.microsoft.com/office/drawing/2010/main">
+                <a:solidFill>
+                  <a:srgbClr val="FFFFFF"/>
+                </a:solidFill>
+              </a14:hiddenFill>
+            </a:ext>
+          </a:extLst>
+        </p:spPr>
+      </p:pic>
       <p:sp>
         <p:nvSpPr>
           <p:cNvPr id="3" name="Rectangle 2"/>
@@ -8067,8 +8271,8 @@
         </p:nvSpPr>
         <p:spPr>
           <a:xfrm>
-            <a:off x="114300" y="1120865"/>
-            <a:ext cx="9182100" cy="369332"/>
+            <a:off x="825500" y="4277836"/>
+            <a:ext cx="11188700" cy="923330"/>
           </a:xfrm>
           <a:prstGeom prst="rect">
             <a:avLst/>
@@ -8080,174 +8284,56 @@
           </a:bodyPr>
           <a:lstStyle/>
           <a:p>
-            <a:pPr fontAlgn="base"/>
-            <a:r>
-              <a:rPr lang="en-GB" b="1" i="1" dirty="0" smtClean="0">
-                <a:solidFill>
-                  <a:srgbClr val="0000EE"/>
+            <a:r>
+              <a:rPr lang="en-GB" b="0" i="0" smtClean="0">
+                <a:solidFill>
+                  <a:srgbClr val="000000"/>
+                </a:solidFill>
+                <a:effectLst/>
+                <a:latin typeface="Open Sans"/>
+              </a:rPr>
+              <a:t>It is easy to install </a:t>
+            </a:r>
+            <a:r>
+              <a:rPr lang="en-GB" b="1" i="1" smtClean="0">
+                <a:solidFill>
+                  <a:srgbClr val="000000"/>
                 </a:solidFill>
                 <a:effectLst/>
                 <a:latin typeface="inherit"/>
               </a:rPr>
-              <a:t>Step 2 – Download and setup Eclipse IDE on the system</a:t>
-            </a:r>
-            <a:endParaRPr lang="en-GB" b="1" i="0" dirty="0">
-              <a:solidFill>
-                <a:srgbClr val="0000EE"/>
-              </a:solidFill>
-              <a:effectLst/>
-              <a:latin typeface="Montserrat"/>
-            </a:endParaRPr>
-          </a:p>
-        </p:txBody>
-      </p:sp>
-      <p:sp>
-        <p:nvSpPr>
-          <p:cNvPr id="4" name="Rectangle 3"/>
-          <p:cNvSpPr/>
-          <p:nvPr/>
-        </p:nvSpPr>
-        <p:spPr>
-          <a:xfrm>
-            <a:off x="114300" y="1580634"/>
-            <a:ext cx="2557110" cy="369332"/>
-          </a:xfrm>
-          <a:prstGeom prst="rect">
-            <a:avLst/>
-          </a:prstGeom>
-        </p:spPr>
-        <p:txBody>
-          <a:bodyPr wrap="none">
-            <a:spAutoFit/>
-          </a:bodyPr>
-          <a:lstStyle/>
-          <a:p>
-            <a:pPr fontAlgn="base"/>
-            <a:r>
-              <a:rPr lang="en-IN" b="1" i="1" dirty="0" smtClean="0">
-                <a:solidFill>
-                  <a:srgbClr val="0000EE"/>
+              <a:t>Cucumber Eclipse Plugin</a:t>
+            </a:r>
+            <a:r>
+              <a:rPr lang="en-GB" b="0" i="0" smtClean="0">
+                <a:solidFill>
+                  <a:srgbClr val="000000"/>
+                </a:solidFill>
+                <a:effectLst/>
+                <a:latin typeface="Open Sans"/>
+              </a:rPr>
+              <a:t>, as it comes as a plugin for </a:t>
+            </a:r>
+            <a:r>
+              <a:rPr lang="en-GB" b="1" i="1" smtClean="0">
+                <a:solidFill>
+                  <a:srgbClr val="000000"/>
                 </a:solidFill>
                 <a:effectLst/>
                 <a:latin typeface="inherit"/>
               </a:rPr>
-              <a:t>Step 3 – Setup Maven</a:t>
-            </a:r>
-            <a:endParaRPr lang="en-IN" b="1" i="0" dirty="0">
-              <a:solidFill>
-                <a:srgbClr val="0000EE"/>
-              </a:solidFill>
-              <a:effectLst/>
-              <a:latin typeface="Montserrat"/>
-            </a:endParaRPr>
-          </a:p>
-        </p:txBody>
-      </p:sp>
-      <p:sp>
-        <p:nvSpPr>
-          <p:cNvPr id="5" name="Rectangle 4"/>
-          <p:cNvSpPr/>
-          <p:nvPr/>
-        </p:nvSpPr>
-        <p:spPr>
-          <a:xfrm>
-            <a:off x="114300" y="2044195"/>
-            <a:ext cx="9182100" cy="369332"/>
-          </a:xfrm>
-          <a:prstGeom prst="rect">
-            <a:avLst/>
-          </a:prstGeom>
-        </p:spPr>
-        <p:txBody>
-          <a:bodyPr wrap="square">
-            <a:spAutoFit/>
-          </a:bodyPr>
-          <a:lstStyle/>
-          <a:p>
-            <a:pPr fontAlgn="base"/>
-            <a:r>
-              <a:rPr lang="en-GB" b="1" i="1" dirty="0" smtClean="0">
-                <a:solidFill>
-                  <a:srgbClr val="0000EE"/>
-                </a:solidFill>
-                <a:effectLst/>
-                <a:latin typeface="inherit"/>
-              </a:rPr>
-              <a:t>Step 4 – Install Cucumber Eclipse Plugin (Only for Eclipse IDE)</a:t>
-            </a:r>
-            <a:endParaRPr lang="en-GB" b="1" i="0" dirty="0">
-              <a:solidFill>
-                <a:srgbClr val="0000EE"/>
-              </a:solidFill>
-              <a:effectLst/>
-              <a:latin typeface="Montserrat"/>
-            </a:endParaRPr>
-          </a:p>
-        </p:txBody>
-      </p:sp>
-      <p:sp>
-        <p:nvSpPr>
-          <p:cNvPr id="6" name="Rectangle 5"/>
-          <p:cNvSpPr/>
-          <p:nvPr/>
-        </p:nvSpPr>
-        <p:spPr>
-          <a:xfrm>
-            <a:off x="3398195" y="2598193"/>
-            <a:ext cx="4532010" cy="369332"/>
-          </a:xfrm>
-          <a:prstGeom prst="rect">
-            <a:avLst/>
-          </a:prstGeom>
-        </p:spPr>
-        <p:txBody>
-          <a:bodyPr wrap="none">
-            <a:spAutoFit/>
-          </a:bodyPr>
-          <a:lstStyle/>
-          <a:p>
-            <a:pPr fontAlgn="base"/>
-            <a:r>
-              <a:rPr lang="en-GB" b="1" i="0" dirty="0" smtClean="0">
-                <a:solidFill>
-                  <a:srgbClr val="424242"/>
-                </a:solidFill>
-                <a:effectLst/>
-                <a:latin typeface="Montserrat"/>
-              </a:rPr>
-              <a:t>How to install Cucumber Eclipse Plugin</a:t>
-            </a:r>
-            <a:endParaRPr lang="en-GB" b="1" i="0" dirty="0">
-              <a:solidFill>
-                <a:srgbClr val="424242"/>
-              </a:solidFill>
-              <a:effectLst/>
-              <a:latin typeface="Montserrat"/>
-            </a:endParaRPr>
-          </a:p>
-        </p:txBody>
-      </p:sp>
-      <p:sp>
-        <p:nvSpPr>
-          <p:cNvPr id="7" name="Rectangle 6"/>
-          <p:cNvSpPr/>
-          <p:nvPr/>
-        </p:nvSpPr>
-        <p:spPr>
-          <a:xfrm>
-            <a:off x="571500" y="3392438"/>
-            <a:ext cx="11341100" cy="1200329"/>
-          </a:xfrm>
-          <a:prstGeom prst="rect">
-            <a:avLst/>
-          </a:prstGeom>
-        </p:spPr>
-        <p:txBody>
-          <a:bodyPr wrap="square">
-            <a:spAutoFit/>
-          </a:bodyPr>
-          <a:lstStyle/>
-          <a:p>
+              <a:t>Eclipse IDE</a:t>
+            </a:r>
+            <a:r>
+              <a:rPr lang="en-GB" b="0" i="0" smtClean="0">
+                <a:solidFill>
+                  <a:srgbClr val="000000"/>
+                </a:solidFill>
+                <a:effectLst/>
+                <a:latin typeface="Open Sans"/>
+              </a:rPr>
+              <a:t>. </a:t>
+            </a:r>
             <a:r>
               <a:rPr lang="en-GB" b="0" i="0" dirty="0" smtClean="0">
                 <a:solidFill>
@@ -8256,17 +8342,7 @@
                 <a:effectLst/>
                 <a:latin typeface="Open Sans"/>
               </a:rPr>
-              <a:t>The Cucumber plugin is an Eclipse plugin that allows eclipse to understand the Gherkin syntax. When we are working with cucumber we will write the feature files that contain Feature, Scenario, Given, When, Then, And, But, Tags, Scenario Outline, and Examples. By default, eclipse doesn’t understand these keywords, so it doesn’t show any syntax highlighter. </a:t>
-            </a:r>
-            <a:r>
-              <a:rPr lang="en-GB" b="0" i="0" smtClean="0">
-                <a:solidFill>
-                  <a:srgbClr val="000000"/>
-                </a:solidFill>
-                <a:effectLst/>
-                <a:latin typeface="Open Sans"/>
-              </a:rPr>
-              <a:t>Cucumber Eclipse Plugin highlights the keywords present in Feature File.</a:t>
+              <a:t>A prerequisite for installing this plugin is your Internet connection should be up &amp; running during the installation of this plugin and Eclipse IDE should be installed on your computer.</a:t>
             </a:r>
             <a:endParaRPr lang="en-IN"/>
           </a:p>
@@ -8275,7 +8351,7 @@
     </p:spTree>
     <p:extLst>
       <p:ext uri="{BB962C8B-B14F-4D97-AF65-F5344CB8AC3E}">
-        <p14:creationId xmlns:p14="http://schemas.microsoft.com/office/powerpoint/2010/main" val="425363301"/>
+        <p14:creationId xmlns:p14="http://schemas.microsoft.com/office/powerpoint/2010/main" val="3709221141"/>
       </p:ext>
     </p:extLst>
   </p:cSld>
@@ -8310,217 +8386,6 @@
         </p:nvSpPr>
         <p:spPr>
           <a:xfrm>
-            <a:off x="114300" y="338435"/>
-            <a:ext cx="11303000" cy="646331"/>
-          </a:xfrm>
-          <a:prstGeom prst="rect">
-            <a:avLst/>
-          </a:prstGeom>
-        </p:spPr>
-        <p:txBody>
-          <a:bodyPr wrap="square">
-            <a:spAutoFit/>
-          </a:bodyPr>
-          <a:lstStyle/>
-          <a:p>
-            <a:r>
-              <a:rPr lang="en-GB" b="0" i="0" smtClean="0">
-                <a:solidFill>
-                  <a:srgbClr val="000000"/>
-                </a:solidFill>
-                <a:effectLst/>
-                <a:latin typeface="Open Sans"/>
-              </a:rPr>
-              <a:t>When we create a feature file in Eclipse it looks something like the below withou</a:t>
-            </a:r>
-            <a:r>
-              <a:rPr lang="en-GB" b="1" i="1" smtClean="0">
-                <a:solidFill>
-                  <a:srgbClr val="000000"/>
-                </a:solidFill>
-                <a:effectLst/>
-                <a:latin typeface="inherit"/>
-              </a:rPr>
-              <a:t>t Cucumber Eclipse Plugin</a:t>
-            </a:r>
-            <a:r>
-              <a:rPr lang="en-GB" b="0" i="0" smtClean="0">
-                <a:solidFill>
-                  <a:srgbClr val="000000"/>
-                </a:solidFill>
-                <a:effectLst/>
-                <a:latin typeface="Open Sans"/>
-              </a:rPr>
-              <a:t> installed.</a:t>
-            </a:r>
-            <a:endParaRPr lang="en-IN"/>
-          </a:p>
-        </p:txBody>
-      </p:sp>
-      <p:pic>
-        <p:nvPicPr>
-          <p:cNvPr id="5122" name="Picture 2" descr="https://qaautomationexpert.files.wordpress.com/2022/06/image-53.png?w=918"/>
-          <p:cNvPicPr>
-            <a:picLocks noChangeAspect="1" noChangeArrowheads="1"/>
-          </p:cNvPicPr>
-          <p:nvPr/>
-        </p:nvPicPr>
-        <p:blipFill>
-          <a:blip r:embed="rId2">
-            <a:extLst>
-              <a:ext uri="{28A0092B-C50C-407E-A947-70E740481C1C}">
-                <a14:useLocalDpi xmlns:a14="http://schemas.microsoft.com/office/drawing/2010/main" val="0"/>
-              </a:ext>
-            </a:extLst>
-          </a:blip>
-          <a:srcRect/>
-          <a:stretch>
-            <a:fillRect/>
-          </a:stretch>
-        </p:blipFill>
-        <p:spPr bwMode="auto">
-          <a:xfrm>
-            <a:off x="1120775" y="1235075"/>
-            <a:ext cx="8743950" cy="2428875"/>
-          </a:xfrm>
-          <a:prstGeom prst="rect">
-            <a:avLst/>
-          </a:prstGeom>
-          <a:noFill/>
-          <a:extLst>
-            <a:ext uri="{909E8E84-426E-40DD-AFC4-6F175D3DCCD1}">
-              <a14:hiddenFill xmlns:a14="http://schemas.microsoft.com/office/drawing/2010/main">
-                <a:solidFill>
-                  <a:srgbClr val="FFFFFF"/>
-                </a:solidFill>
-              </a14:hiddenFill>
-            </a:ext>
-          </a:extLst>
-        </p:spPr>
-      </p:pic>
-      <p:sp>
-        <p:nvSpPr>
-          <p:cNvPr id="3" name="Rectangle 2"/>
-          <p:cNvSpPr/>
-          <p:nvPr/>
-        </p:nvSpPr>
-        <p:spPr>
-          <a:xfrm>
-            <a:off x="825500" y="4277836"/>
-            <a:ext cx="11188700" cy="923330"/>
-          </a:xfrm>
-          <a:prstGeom prst="rect">
-            <a:avLst/>
-          </a:prstGeom>
-        </p:spPr>
-        <p:txBody>
-          <a:bodyPr wrap="square">
-            <a:spAutoFit/>
-          </a:bodyPr>
-          <a:lstStyle/>
-          <a:p>
-            <a:r>
-              <a:rPr lang="en-GB" b="0" i="0" smtClean="0">
-                <a:solidFill>
-                  <a:srgbClr val="000000"/>
-                </a:solidFill>
-                <a:effectLst/>
-                <a:latin typeface="Open Sans"/>
-              </a:rPr>
-              <a:t>It is easy to install </a:t>
-            </a:r>
-            <a:r>
-              <a:rPr lang="en-GB" b="1" i="1" smtClean="0">
-                <a:solidFill>
-                  <a:srgbClr val="000000"/>
-                </a:solidFill>
-                <a:effectLst/>
-                <a:latin typeface="inherit"/>
-              </a:rPr>
-              <a:t>Cucumber Eclipse Plugin</a:t>
-            </a:r>
-            <a:r>
-              <a:rPr lang="en-GB" b="0" i="0" smtClean="0">
-                <a:solidFill>
-                  <a:srgbClr val="000000"/>
-                </a:solidFill>
-                <a:effectLst/>
-                <a:latin typeface="Open Sans"/>
-              </a:rPr>
-              <a:t>, as it comes as a plugin for </a:t>
-            </a:r>
-            <a:r>
-              <a:rPr lang="en-GB" b="1" i="1" smtClean="0">
-                <a:solidFill>
-                  <a:srgbClr val="000000"/>
-                </a:solidFill>
-                <a:effectLst/>
-                <a:latin typeface="inherit"/>
-              </a:rPr>
-              <a:t>Eclipse IDE</a:t>
-            </a:r>
-            <a:r>
-              <a:rPr lang="en-GB" b="0" i="0" smtClean="0">
-                <a:solidFill>
-                  <a:srgbClr val="000000"/>
-                </a:solidFill>
-                <a:effectLst/>
-                <a:latin typeface="Open Sans"/>
-              </a:rPr>
-              <a:t>. </a:t>
-            </a:r>
-            <a:r>
-              <a:rPr lang="en-GB" b="0" i="0" dirty="0" smtClean="0">
-                <a:solidFill>
-                  <a:srgbClr val="000000"/>
-                </a:solidFill>
-                <a:effectLst/>
-                <a:latin typeface="Open Sans"/>
-              </a:rPr>
-              <a:t>A prerequisite for installing this plugin is your Internet connection should be up &amp; running during the installation of this plugin and Eclipse IDE should be installed on your computer.</a:t>
-            </a:r>
-            <a:endParaRPr lang="en-IN"/>
-          </a:p>
-        </p:txBody>
-      </p:sp>
-    </p:spTree>
-    <p:extLst>
-      <p:ext uri="{BB962C8B-B14F-4D97-AF65-F5344CB8AC3E}">
-        <p14:creationId xmlns:p14="http://schemas.microsoft.com/office/powerpoint/2010/main" val="3709221141"/>
-      </p:ext>
-    </p:extLst>
-  </p:cSld>
-  <p:clrMapOvr>
-    <a:masterClrMapping/>
-  </p:clrMapOvr>
-</p:sld>
-</file>
-
-<file path=ppt/slides/slide7.xml><?xml version="1.0" encoding="utf-8"?>
-<p:sld xmlns:a="http://schemas.openxmlformats.org/drawingml/2006/main" xmlns:r="http://schemas.openxmlformats.org/officeDocument/2006/relationships" xmlns:p="http://schemas.openxmlformats.org/presentationml/2006/main">
-  <p:cSld>
-    <p:spTree>
-      <p:nvGrpSpPr>
-        <p:cNvPr id="1" name=""/>
-        <p:cNvGrpSpPr/>
-        <p:nvPr/>
-      </p:nvGrpSpPr>
-      <p:grpSpPr>
-        <a:xfrm>
-          <a:off x="0" y="0"/>
-          <a:ext cx="0" cy="0"/>
-          <a:chOff x="0" y="0"/>
-          <a:chExt cx="0" cy="0"/>
-        </a:xfrm>
-      </p:grpSpPr>
-      <p:sp>
-        <p:nvSpPr>
-          <p:cNvPr id="2" name="Rectangle 1"/>
-          <p:cNvSpPr/>
-          <p:nvPr/>
-        </p:nvSpPr>
-        <p:spPr>
-          <a:xfrm>
             <a:off x="204157" y="221734"/>
             <a:ext cx="1903085" cy="369332"/>
           </a:xfrm>
@@ -8739,7 +8604,7 @@
 </p:sld>
 </file>
 
-<file path=ppt/slides/slide8.xml><?xml version="1.0" encoding="utf-8"?>
+<file path=ppt/slides/slide7.xml><?xml version="1.0" encoding="utf-8"?>
 <p:sld xmlns:a="http://schemas.openxmlformats.org/drawingml/2006/main" xmlns:r="http://schemas.openxmlformats.org/officeDocument/2006/relationships" xmlns:p="http://schemas.openxmlformats.org/presentationml/2006/main">
   <p:cSld>
     <p:spTree>
@@ -8916,7 +8781,7 @@
 </p:sld>
 </file>
 
-<file path=ppt/slides/slide9.xml><?xml version="1.0" encoding="utf-8"?>
+<file path=ppt/slides/slide8.xml><?xml version="1.0" encoding="utf-8"?>
 <p:sld xmlns:a="http://schemas.openxmlformats.org/drawingml/2006/main" xmlns:r="http://schemas.openxmlformats.org/officeDocument/2006/relationships" xmlns:p="http://schemas.openxmlformats.org/presentationml/2006/main">
   <p:cSld>
     <p:spTree>
@@ -9043,6 +8908,77 @@
     <p:extLst>
       <p:ext uri="{BB962C8B-B14F-4D97-AF65-F5344CB8AC3E}">
         <p14:creationId xmlns:p14="http://schemas.microsoft.com/office/powerpoint/2010/main" val="804544764"/>
+      </p:ext>
+    </p:extLst>
+  </p:cSld>
+  <p:clrMapOvr>
+    <a:masterClrMapping/>
+  </p:clrMapOvr>
+</p:sld>
+</file>
+
+<file path=ppt/slides/slide9.xml><?xml version="1.0" encoding="utf-8"?>
+<p:sld xmlns:a="http://schemas.openxmlformats.org/drawingml/2006/main" xmlns:r="http://schemas.openxmlformats.org/officeDocument/2006/relationships" xmlns:p="http://schemas.openxmlformats.org/presentationml/2006/main">
+  <p:cSld>
+    <p:spTree>
+      <p:nvGrpSpPr>
+        <p:cNvPr id="1" name=""/>
+        <p:cNvGrpSpPr/>
+        <p:nvPr/>
+      </p:nvGrpSpPr>
+      <p:grpSpPr>
+        <a:xfrm>
+          <a:off x="0" y="0"/>
+          <a:ext cx="0" cy="0"/>
+          <a:chOff x="0" y="0"/>
+          <a:chExt cx="0" cy="0"/>
+        </a:xfrm>
+      </p:grpSpPr>
+      <p:pic>
+        <p:nvPicPr>
+          <p:cNvPr id="10242" name="Picture 2" descr="https://qaautomationexpert.files.wordpress.com/2022/06/image-39.png?w=871"/>
+          <p:cNvPicPr>
+            <a:picLocks noChangeAspect="1" noChangeArrowheads="1"/>
+          </p:cNvPicPr>
+          <p:nvPr/>
+        </p:nvPicPr>
+        <p:blipFill>
+          <a:blip r:embed="rId2">
+            <a:extLst>
+              <a:ext uri="{28A0092B-C50C-407E-A947-70E740481C1C}">
+                <a14:useLocalDpi xmlns:a14="http://schemas.microsoft.com/office/drawing/2010/main" val="0"/>
+              </a:ext>
+            </a:extLst>
+          </a:blip>
+          <a:srcRect/>
+          <a:stretch>
+            <a:fillRect/>
+          </a:stretch>
+        </p:blipFill>
+        <p:spPr bwMode="auto">
+          <a:xfrm>
+            <a:off x="142875" y="139699"/>
+            <a:ext cx="8296275" cy="4368801"/>
+          </a:xfrm>
+          <a:prstGeom prst="rect">
+            <a:avLst/>
+          </a:prstGeom>
+          <a:noFill/>
+          <a:extLst>
+            <a:ext uri="{909E8E84-426E-40DD-AFC4-6F175D3DCCD1}">
+              <a14:hiddenFill xmlns:a14="http://schemas.microsoft.com/office/drawing/2010/main">
+                <a:solidFill>
+                  <a:srgbClr val="FFFFFF"/>
+                </a:solidFill>
+              </a14:hiddenFill>
+            </a:ext>
+          </a:extLst>
+        </p:spPr>
+      </p:pic>
+    </p:spTree>
+    <p:extLst>
+      <p:ext uri="{BB962C8B-B14F-4D97-AF65-F5344CB8AC3E}">
+        <p14:creationId xmlns:p14="http://schemas.microsoft.com/office/powerpoint/2010/main" val="2614760386"/>
       </p:ext>
     </p:extLst>
   </p:cSld>
